--- a/Presentation.pptx
+++ b/Presentation.pptx
@@ -9,7 +9,6 @@
     <p:sldId id="257" r:id="rId3"/>
     <p:sldId id="258" r:id="rId4"/>
     <p:sldId id="259" r:id="rId5"/>
-    <p:sldId id="260" r:id="rId6"/>
   </p:sldIdLst>
   <p:sldSz cx="12192000" cy="6858000"/>
   <p:notesSz cx="6858000" cy="9144000"/>
@@ -108,6 +107,11 @@
       </a:defRPr>
     </a:lvl9pPr>
   </p:defaultTextStyle>
+  <p:extLst>
+    <p:ext uri="{EFAFB233-063F-42B5-8137-9DF3F51BA10A}">
+      <p15:sldGuideLst xmlns:p15="http://schemas.microsoft.com/office/powerpoint/2012/main"/>
+    </p:ext>
+  </p:extLst>
 </p:presentation>
 </file>
 
@@ -565,7 +569,7 @@
           <a:p>
             <a:fld id="{5C5829FE-3ECE-43EB-AA89-77E3B8E60A9D}" type="slidenum">
               <a:rPr lang="en-GB" smtClean="0"/>
-              <a:t>‹nº›</a:t>
+              <a:t>‹#›</a:t>
             </a:fld>
             <a:endParaRPr lang="en-GB"/>
           </a:p>
@@ -735,7 +739,7 @@
           <a:p>
             <a:fld id="{5C5829FE-3ECE-43EB-AA89-77E3B8E60A9D}" type="slidenum">
               <a:rPr lang="en-GB" smtClean="0"/>
-              <a:t>‹nº›</a:t>
+              <a:t>‹#›</a:t>
             </a:fld>
             <a:endParaRPr lang="en-GB"/>
           </a:p>
@@ -915,7 +919,7 @@
           <a:p>
             <a:fld id="{5C5829FE-3ECE-43EB-AA89-77E3B8E60A9D}" type="slidenum">
               <a:rPr lang="en-GB" smtClean="0"/>
-              <a:t>‹nº›</a:t>
+              <a:t>‹#›</a:t>
             </a:fld>
             <a:endParaRPr lang="en-GB"/>
           </a:p>
@@ -1085,7 +1089,7 @@
           <a:p>
             <a:fld id="{5C5829FE-3ECE-43EB-AA89-77E3B8E60A9D}" type="slidenum">
               <a:rPr lang="en-GB" smtClean="0"/>
-              <a:t>‹nº›</a:t>
+              <a:t>‹#›</a:t>
             </a:fld>
             <a:endParaRPr lang="en-GB"/>
           </a:p>
@@ -1496,7 +1500,7 @@
           <a:p>
             <a:fld id="{5C5829FE-3ECE-43EB-AA89-77E3B8E60A9D}" type="slidenum">
               <a:rPr lang="en-GB" smtClean="0"/>
-              <a:t>‹nº›</a:t>
+              <a:t>‹#›</a:t>
             </a:fld>
             <a:endParaRPr lang="en-GB"/>
           </a:p>
@@ -1784,7 +1788,7 @@
           <a:p>
             <a:fld id="{5C5829FE-3ECE-43EB-AA89-77E3B8E60A9D}" type="slidenum">
               <a:rPr lang="en-GB" smtClean="0"/>
-              <a:t>‹nº›</a:t>
+              <a:t>‹#›</a:t>
             </a:fld>
             <a:endParaRPr lang="en-GB"/>
           </a:p>
@@ -2218,7 +2222,7 @@
           <a:p>
             <a:fld id="{5C5829FE-3ECE-43EB-AA89-77E3B8E60A9D}" type="slidenum">
               <a:rPr lang="en-GB" smtClean="0"/>
-              <a:t>‹nº›</a:t>
+              <a:t>‹#›</a:t>
             </a:fld>
             <a:endParaRPr lang="en-GB"/>
           </a:p>
@@ -2336,7 +2340,7 @@
           <a:p>
             <a:fld id="{5C5829FE-3ECE-43EB-AA89-77E3B8E60A9D}" type="slidenum">
               <a:rPr lang="en-GB" smtClean="0"/>
-              <a:t>‹nº›</a:t>
+              <a:t>‹#›</a:t>
             </a:fld>
             <a:endParaRPr lang="en-GB"/>
           </a:p>
@@ -2431,7 +2435,7 @@
           <a:p>
             <a:fld id="{5C5829FE-3ECE-43EB-AA89-77E3B8E60A9D}" type="slidenum">
               <a:rPr lang="en-GB" smtClean="0"/>
-              <a:t>‹nº›</a:t>
+              <a:t>‹#›</a:t>
             </a:fld>
             <a:endParaRPr lang="en-GB"/>
           </a:p>
@@ -2870,7 +2874,7 @@
           <a:p>
             <a:fld id="{5C5829FE-3ECE-43EB-AA89-77E3B8E60A9D}" type="slidenum">
               <a:rPr lang="en-GB" smtClean="0"/>
-              <a:t>‹nº›</a:t>
+              <a:t>‹#›</a:t>
             </a:fld>
             <a:endParaRPr lang="en-GB"/>
           </a:p>
@@ -3276,7 +3280,7 @@
           <a:p>
             <a:fld id="{5C5829FE-3ECE-43EB-AA89-77E3B8E60A9D}" type="slidenum">
               <a:rPr lang="en-GB" smtClean="0"/>
-              <a:t>‹nº›</a:t>
+              <a:t>‹#›</a:t>
             </a:fld>
             <a:endParaRPr lang="en-GB"/>
           </a:p>
@@ -3609,7 +3613,7 @@
           <a:p>
             <a:fld id="{5C5829FE-3ECE-43EB-AA89-77E3B8E60A9D}" type="slidenum">
               <a:rPr lang="en-GB" smtClean="0"/>
-              <a:t>‹nº›</a:t>
+              <a:t>‹#›</a:t>
             </a:fld>
             <a:endParaRPr lang="en-GB"/>
           </a:p>
@@ -4061,31 +4065,6 @@
           </a:p>
         </p:txBody>
       </p:sp>
-      <p:sp>
-        <p:nvSpPr>
-          <p:cNvPr id="3" name="Subtítulo 2">
-            <a:extLst>
-              <a:ext uri="{FF2B5EF4-FFF2-40B4-BE49-F238E27FC236}">
-                <a16:creationId xmlns:a16="http://schemas.microsoft.com/office/drawing/2014/main" id="{2B8678B7-58FD-00D3-1081-CA3997EA761A}"/>
-              </a:ext>
-            </a:extLst>
-          </p:cNvPr>
-          <p:cNvSpPr>
-            <a:spLocks noGrp="1"/>
-          </p:cNvSpPr>
-          <p:nvPr>
-            <p:ph type="subTitle" idx="1"/>
-          </p:nvPr>
-        </p:nvSpPr>
-        <p:spPr/>
-        <p:txBody>
-          <a:bodyPr/>
-          <a:lstStyle/>
-          <a:p>
-            <a:endParaRPr lang="en-GB"/>
-          </a:p>
-        </p:txBody>
-      </p:sp>
     </p:spTree>
     <p:extLst>
       <p:ext uri="{BB962C8B-B14F-4D97-AF65-F5344CB8AC3E}">
@@ -4138,10 +4117,9 @@
           <a:lstStyle/>
           <a:p>
             <a:r>
-              <a:rPr lang="en-GB" dirty="0" err="1"/>
-              <a:t>Introdution</a:t>
-            </a:r>
-            <a:endParaRPr lang="en-GB" dirty="0"/>
+              <a:rPr lang="en-GB" dirty="0"/>
+              <a:t>Introduction</a:t>
+            </a:r>
           </a:p>
         </p:txBody>
       </p:sp>
@@ -4175,11 +4153,20 @@
             </a:r>
             <a:r>
               <a:rPr lang="en-US" dirty="0"/>
-              <a:t> Optimizing battery dispatch in a smart grid to minimize energy costs while ensuring demand is met.</a:t>
-            </a:r>
-          </a:p>
-          <a:p>
-            <a:pPr marL="0" indent="0">
+              <a:t> </a:t>
+            </a:r>
+          </a:p>
+          <a:p>
+            <a:pPr>
+              <a:buNone/>
+            </a:pPr>
+            <a:r>
+              <a:rPr lang="en-US" dirty="0"/>
+              <a:t>	Optimizing battery dispatch in a smart grid to minimize energy costs while ensuring demand is met.</a:t>
+            </a:r>
+          </a:p>
+          <a:p>
+            <a:pPr>
               <a:buNone/>
             </a:pPr>
             <a:r>
@@ -4188,7 +4175,16 @@
             </a:r>
             <a:r>
               <a:rPr lang="en-US" dirty="0"/>
-              <a:t> Use a simplified linear programming model solved by the Simplex Method for efficient and cost-effective energy management</a:t>
+              <a:t> </a:t>
+            </a:r>
+          </a:p>
+          <a:p>
+            <a:pPr>
+              <a:buNone/>
+            </a:pPr>
+            <a:r>
+              <a:rPr lang="en-US" dirty="0"/>
+              <a:t>	Use a simplified linear programming model solved by the Simplex Method for efficient and cost-effective energy management</a:t>
             </a:r>
           </a:p>
           <a:p>
@@ -4283,8 +4279,41 @@
           <a:lstStyle/>
           <a:p>
             <a:r>
+              <a:rPr lang="pt-PT" b="1" dirty="0" err="1"/>
+              <a:t>Objective</a:t>
+            </a:r>
+            <a:r>
+              <a:rPr lang="pt-PT" b="1" dirty="0"/>
+              <a:t> </a:t>
+            </a:r>
+            <a:r>
+              <a:rPr lang="pt-PT" b="1" dirty="0" err="1"/>
+              <a:t>Function</a:t>
+            </a:r>
+            <a:r>
+              <a:rPr lang="pt-PT" dirty="0"/>
+              <a:t>:</a:t>
+            </a:r>
+          </a:p>
+          <a:p>
+            <a:pPr>
+              <a:buNone/>
+            </a:pPr>
+            <a:r>
+              <a:rPr lang="pt-PT" dirty="0"/>
+              <a:t>		Minimize </a:t>
+            </a:r>
+            <a:r>
               <a:rPr lang="pt-PT" dirty="0" err="1"/>
-              <a:t>Objective</a:t>
+              <a:t>the</a:t>
+            </a:r>
+            <a:r>
+              <a:rPr lang="pt-PT" dirty="0"/>
+              <a:t> total </a:t>
+            </a:r>
+            <a:r>
+              <a:rPr lang="pt-PT" dirty="0" err="1"/>
+              <a:t>cost</a:t>
             </a:r>
             <a:r>
               <a:rPr lang="pt-PT" dirty="0"/>
@@ -4292,7 +4321,31 @@
             </a:r>
             <a:r>
               <a:rPr lang="pt-PT" dirty="0" err="1"/>
-              <a:t>Function</a:t>
+              <a:t>of</a:t>
+            </a:r>
+            <a:r>
+              <a:rPr lang="pt-PT" dirty="0"/>
+              <a:t> </a:t>
+            </a:r>
+            <a:r>
+              <a:rPr lang="pt-PT" dirty="0" err="1"/>
+              <a:t>grid</a:t>
+            </a:r>
+            <a:r>
+              <a:rPr lang="pt-PT" dirty="0"/>
+              <a:t> </a:t>
+            </a:r>
+            <a:r>
+              <a:rPr lang="pt-PT" dirty="0" err="1"/>
+              <a:t>energy</a:t>
+            </a:r>
+            <a:r>
+              <a:rPr lang="pt-PT" dirty="0"/>
+              <a:t> </a:t>
+            </a:r>
+            <a:r>
+              <a:rPr lang="pt-PT" dirty="0" err="1"/>
+              <a:t>consumption</a:t>
             </a:r>
             <a:r>
               <a:rPr lang="pt-PT" dirty="0"/>
@@ -4305,63 +4358,6 @@
             </a:pPr>
             <a:r>
               <a:rPr lang="pt-PT" dirty="0"/>
-              <a:t>		Minimize </a:t>
-            </a:r>
-            <a:r>
-              <a:rPr lang="pt-PT" dirty="0" err="1"/>
-              <a:t>the</a:t>
-            </a:r>
-            <a:r>
-              <a:rPr lang="pt-PT" dirty="0"/>
-              <a:t> total </a:t>
-            </a:r>
-            <a:r>
-              <a:rPr lang="pt-PT" dirty="0" err="1"/>
-              <a:t>cost</a:t>
-            </a:r>
-            <a:r>
-              <a:rPr lang="pt-PT" dirty="0"/>
-              <a:t> </a:t>
-            </a:r>
-            <a:r>
-              <a:rPr lang="pt-PT" dirty="0" err="1"/>
-              <a:t>of</a:t>
-            </a:r>
-            <a:r>
-              <a:rPr lang="pt-PT" dirty="0"/>
-              <a:t> </a:t>
-            </a:r>
-            <a:r>
-              <a:rPr lang="pt-PT" dirty="0" err="1"/>
-              <a:t>grid</a:t>
-            </a:r>
-            <a:r>
-              <a:rPr lang="pt-PT" dirty="0"/>
-              <a:t> </a:t>
-            </a:r>
-            <a:r>
-              <a:rPr lang="pt-PT" dirty="0" err="1"/>
-              <a:t>energy</a:t>
-            </a:r>
-            <a:r>
-              <a:rPr lang="pt-PT" dirty="0"/>
-              <a:t> </a:t>
-            </a:r>
-            <a:r>
-              <a:rPr lang="pt-PT" dirty="0" err="1"/>
-              <a:t>consumption</a:t>
-            </a:r>
-            <a:r>
-              <a:rPr lang="pt-PT" dirty="0"/>
-              <a:t>:</a:t>
-            </a:r>
-          </a:p>
-          <a:p>
-            <a:pPr>
-              <a:buNone/>
-            </a:pPr>
-            <a:r>
-              <a:rPr lang="pt-PT" dirty="0"/>
               <a:t>				</a:t>
             </a:r>
           </a:p>
@@ -4371,11 +4367,11 @@
               <a:t>​</a:t>
             </a:r>
             <a:r>
-              <a:rPr lang="pt-PT" dirty="0" err="1"/>
+              <a:rPr lang="pt-PT" b="1" dirty="0" err="1"/>
               <a:t>Constraints</a:t>
             </a:r>
             <a:r>
-              <a:rPr lang="pt-PT" dirty="0"/>
+              <a:rPr lang="pt-PT" b="1" dirty="0"/>
               <a:t>:</a:t>
             </a:r>
           </a:p>
@@ -4385,7 +4381,11 @@
             </a:pPr>
             <a:r>
               <a:rPr lang="en-US" dirty="0"/>
-              <a:t>		Energy balance: </a:t>
+              <a:t>		</a:t>
+            </a:r>
+            <a:r>
+              <a:rPr lang="en-US" b="1" dirty="0"/>
+              <a:t>Energy balance: </a:t>
             </a:r>
           </a:p>
           <a:p>
@@ -4406,22 +4406,22 @@
               <a:t>		</a:t>
             </a:r>
             <a:r>
-              <a:rPr lang="pt-PT" dirty="0" err="1"/>
+              <a:rPr lang="pt-PT" b="1" dirty="0" err="1"/>
               <a:t>Battery</a:t>
             </a:r>
             <a:r>
-              <a:rPr lang="pt-PT" dirty="0"/>
+              <a:rPr lang="pt-PT" b="1" dirty="0"/>
               <a:t> </a:t>
             </a:r>
             <a:r>
-              <a:rPr lang="pt-PT" dirty="0" err="1"/>
+              <a:rPr lang="pt-PT" b="1" dirty="0" err="1"/>
               <a:t>Limits</a:t>
             </a:r>
             <a:r>
-              <a:rPr lang="pt-PT" dirty="0"/>
+              <a:rPr lang="pt-PT" b="1" dirty="0"/>
               <a:t>:	</a:t>
             </a:r>
-            <a:endParaRPr lang="en-US" dirty="0"/>
+            <a:endParaRPr lang="en-US" b="1" dirty="0"/>
           </a:p>
         </p:txBody>
       </p:sp>
@@ -4558,31 +4558,6 @@
       </p:grpSpPr>
       <p:sp>
         <p:nvSpPr>
-          <p:cNvPr id="2" name="Título 1">
-            <a:extLst>
-              <a:ext uri="{FF2B5EF4-FFF2-40B4-BE49-F238E27FC236}">
-                <a16:creationId xmlns:a16="http://schemas.microsoft.com/office/drawing/2014/main" id="{34030838-D35E-8263-5AC7-31D43AC3C2E8}"/>
-              </a:ext>
-            </a:extLst>
-          </p:cNvPr>
-          <p:cNvSpPr>
-            <a:spLocks noGrp="1"/>
-          </p:cNvSpPr>
-          <p:nvPr>
-            <p:ph type="title"/>
-          </p:nvPr>
-        </p:nvSpPr>
-        <p:spPr/>
-        <p:txBody>
-          <a:bodyPr/>
-          <a:lstStyle/>
-          <a:p>
-            <a:endParaRPr lang="en-GB"/>
-          </a:p>
-        </p:txBody>
-      </p:sp>
-      <p:sp>
-        <p:nvSpPr>
           <p:cNvPr id="3" name="Marcador de Posição de Conteúdo 2">
             <a:extLst>
               <a:ext uri="{FF2B5EF4-FFF2-40B4-BE49-F238E27FC236}">
@@ -4597,15 +4572,26 @@
             <p:ph idx="1"/>
           </p:nvPr>
         </p:nvSpPr>
-        <p:spPr/>
+        <p:spPr>
+          <a:xfrm>
+            <a:off x="824042" y="648929"/>
+            <a:ext cx="10058400" cy="5474110"/>
+          </a:xfrm>
+        </p:spPr>
         <p:txBody>
           <a:bodyPr/>
           <a:lstStyle/>
           <a:p>
             <a:r>
-              <a:rPr lang="en-GB" dirty="0"/>
+              <a:rPr lang="en-GB" b="1" dirty="0"/>
               <a:t>Constraints:</a:t>
             </a:r>
+          </a:p>
+          <a:p>
+            <a:pPr marL="0" indent="0">
+              <a:buNone/>
+            </a:pPr>
+            <a:endParaRPr lang="en-GB" dirty="0"/>
           </a:p>
           <a:p>
             <a:pPr>
@@ -4616,29 +4602,14 @@
               <a:t>		</a:t>
             </a:r>
             <a:r>
-              <a:rPr lang="pt-PT" dirty="0" err="1"/>
-              <a:t>Grid</a:t>
-            </a:r>
-            <a:r>
-              <a:rPr lang="pt-PT" dirty="0"/>
-              <a:t> </a:t>
-            </a:r>
-            <a:r>
-              <a:rPr lang="pt-PT" dirty="0" err="1"/>
-              <a:t>Sufficiency</a:t>
-            </a:r>
-            <a:r>
-              <a:rPr lang="pt-PT" dirty="0"/>
-              <a:t> </a:t>
-            </a:r>
-            <a:r>
-              <a:rPr lang="pt-PT" dirty="0" err="1"/>
-              <a:t>Constraint</a:t>
-            </a:r>
-            <a:r>
-              <a:rPr lang="pt-PT" dirty="0"/>
-              <a:t>:</a:t>
-            </a:r>
+              <a:rPr lang="pt-PT" b="1" dirty="0"/>
+              <a:t>Grid Sufficiency Constraint:</a:t>
+            </a:r>
+          </a:p>
+          <a:p>
+            <a:pPr>
+              <a:buNone/>
+            </a:pPr>
             <a:endParaRPr lang="en-US" dirty="0"/>
           </a:p>
           <a:p>
@@ -4671,9 +4642,22 @@
             </a:pPr>
             <a:r>
               <a:rPr lang="en-US" dirty="0"/>
-              <a:t>		Power Balance Constraint:</a:t>
-            </a:r>
-            <a:endParaRPr lang="en-GB" dirty="0"/>
+              <a:t>		</a:t>
+            </a:r>
+          </a:p>
+          <a:p>
+            <a:pPr>
+              <a:buNone/>
+            </a:pPr>
+            <a:r>
+              <a:rPr lang="en-US" dirty="0"/>
+              <a:t>		</a:t>
+            </a:r>
+            <a:r>
+              <a:rPr lang="en-US" b="1" dirty="0"/>
+              <a:t>Power Balance Constraint:</a:t>
+            </a:r>
+            <a:endParaRPr lang="en-GB" b="1" dirty="0"/>
           </a:p>
           <a:p>
             <a:pPr marL="1971400" lvl="7" indent="0">
@@ -4708,7 +4692,7 @@
         </p:blipFill>
         <p:spPr>
           <a:xfrm>
-            <a:off x="3936885" y="2972980"/>
+            <a:off x="3763119" y="2279018"/>
             <a:ext cx="4318230" cy="912040"/>
           </a:xfrm>
           <a:prstGeom prst="rect">
@@ -4749,7 +4733,7 @@
         </p:blipFill>
         <p:spPr>
           <a:xfrm>
-            <a:off x="3936885" y="4512516"/>
+            <a:off x="3936884" y="4718993"/>
             <a:ext cx="4144465" cy="1032187"/>
           </a:xfrm>
           <a:prstGeom prst="rect">
@@ -4761,146 +4745,6 @@
     <p:extLst>
       <p:ext uri="{BB962C8B-B14F-4D97-AF65-F5344CB8AC3E}">
         <p14:creationId xmlns:p14="http://schemas.microsoft.com/office/powerpoint/2010/main" val="4258592134"/>
-      </p:ext>
-    </p:extLst>
-  </p:cSld>
-  <p:clrMapOvr>
-    <a:masterClrMapping/>
-  </p:clrMapOvr>
-</p:sld>
-</file>
-
-<file path=ppt/slides/slide5.xml><?xml version="1.0" encoding="utf-8"?>
-<p:sld xmlns:a="http://schemas.openxmlformats.org/drawingml/2006/main" xmlns:r="http://schemas.openxmlformats.org/officeDocument/2006/relationships" xmlns:p="http://schemas.openxmlformats.org/presentationml/2006/main">
-  <p:cSld>
-    <p:spTree>
-      <p:nvGrpSpPr>
-        <p:cNvPr id="1" name=""/>
-        <p:cNvGrpSpPr/>
-        <p:nvPr/>
-      </p:nvGrpSpPr>
-      <p:grpSpPr>
-        <a:xfrm>
-          <a:off x="0" y="0"/>
-          <a:ext cx="0" cy="0"/>
-          <a:chOff x="0" y="0"/>
-          <a:chExt cx="0" cy="0"/>
-        </a:xfrm>
-      </p:grpSpPr>
-      <p:sp>
-        <p:nvSpPr>
-          <p:cNvPr id="2" name="Título 1">
-            <a:extLst>
-              <a:ext uri="{FF2B5EF4-FFF2-40B4-BE49-F238E27FC236}">
-                <a16:creationId xmlns:a16="http://schemas.microsoft.com/office/drawing/2014/main" id="{EBE87C45-2896-0F9E-652F-4FCF1CCBF6DA}"/>
-              </a:ext>
-            </a:extLst>
-          </p:cNvPr>
-          <p:cNvSpPr>
-            <a:spLocks noGrp="1"/>
-          </p:cNvSpPr>
-          <p:nvPr>
-            <p:ph type="title"/>
-          </p:nvPr>
-        </p:nvSpPr>
-        <p:spPr/>
-        <p:txBody>
-          <a:bodyPr/>
-          <a:lstStyle/>
-          <a:p>
-            <a:r>
-              <a:rPr lang="pt-PT" dirty="0" err="1"/>
-              <a:t>Results</a:t>
-            </a:r>
-            <a:endParaRPr lang="en-GB" dirty="0"/>
-          </a:p>
-        </p:txBody>
-      </p:sp>
-      <p:pic>
-        <p:nvPicPr>
-          <p:cNvPr id="7" name="Marcador de Posição de Conteúdo 6" descr="Uma imagem com texto, captura de ecrã, Gráfico, diagrama&#10;&#10;Os conteúdos gerados por IA poderão estar incorretos.">
-            <a:extLst>
-              <a:ext uri="{FF2B5EF4-FFF2-40B4-BE49-F238E27FC236}">
-                <a16:creationId xmlns:a16="http://schemas.microsoft.com/office/drawing/2014/main" id="{34972EE8-E07E-431A-B476-E947176DEEAC}"/>
-              </a:ext>
-            </a:extLst>
-          </p:cNvPr>
-          <p:cNvPicPr>
-            <a:picLocks noGrp="1" noChangeAspect="1"/>
-          </p:cNvPicPr>
-          <p:nvPr>
-            <p:ph idx="1"/>
-          </p:nvPr>
-        </p:nvPicPr>
-        <p:blipFill>
-          <a:blip r:embed="rId2">
-            <a:extLst>
-              <a:ext uri="{28A0092B-C50C-407E-A947-70E740481C1C}">
-                <a14:useLocalDpi xmlns:a14="http://schemas.microsoft.com/office/drawing/2010/main" val="0"/>
-              </a:ext>
-            </a:extLst>
-          </a:blip>
-          <a:stretch>
-            <a:fillRect/>
-          </a:stretch>
-        </p:blipFill>
-        <p:spPr>
-          <a:xfrm>
-            <a:off x="153458" y="1525560"/>
-            <a:ext cx="6494268" cy="2783258"/>
-          </a:xfrm>
-        </p:spPr>
-      </p:pic>
-      <p:pic>
-        <p:nvPicPr>
-          <p:cNvPr id="9" name="Imagem 8" descr="Uma imagem com texto, captura de ecrã, Gráfico, diagrama&#10;&#10;Os conteúdos gerados por IA poderão estar incorretos.">
-            <a:extLst>
-              <a:ext uri="{FF2B5EF4-FFF2-40B4-BE49-F238E27FC236}">
-                <a16:creationId xmlns:a16="http://schemas.microsoft.com/office/drawing/2014/main" id="{96CEE943-D055-AB67-625D-748BE50CFCD7}"/>
-              </a:ext>
-            </a:extLst>
-          </p:cNvPr>
-          <p:cNvPicPr>
-            <a:picLocks noChangeAspect="1"/>
-          </p:cNvPicPr>
-          <p:nvPr/>
-        </p:nvPicPr>
-        <p:blipFill>
-          <a:blip r:embed="rId3">
-            <a:clrChange>
-              <a:clrFrom>
-                <a:srgbClr val="FFFFFF"/>
-              </a:clrFrom>
-              <a:clrTo>
-                <a:srgbClr val="FFFFFF">
-                  <a:alpha val="0"/>
-                </a:srgbClr>
-              </a:clrTo>
-            </a:clrChange>
-            <a:extLst>
-              <a:ext uri="{28A0092B-C50C-407E-A947-70E740481C1C}">
-                <a14:useLocalDpi xmlns:a14="http://schemas.microsoft.com/office/drawing/2010/main" val="0"/>
-              </a:ext>
-            </a:extLst>
-          </a:blip>
-          <a:stretch>
-            <a:fillRect/>
-          </a:stretch>
-        </p:blipFill>
-        <p:spPr>
-          <a:xfrm>
-            <a:off x="5182026" y="3668767"/>
-            <a:ext cx="6494269" cy="2783259"/>
-          </a:xfrm>
-          <a:prstGeom prst="rect">
-            <a:avLst/>
-          </a:prstGeom>
-        </p:spPr>
-      </p:pic>
-    </p:spTree>
-    <p:extLst>
-      <p:ext uri="{BB962C8B-B14F-4D97-AF65-F5344CB8AC3E}">
-        <p14:creationId xmlns:p14="http://schemas.microsoft.com/office/powerpoint/2010/main" val="511724628"/>
       </p:ext>
     </p:extLst>
   </p:cSld>

--- a/Presentation.pptx
+++ b/Presentation.pptx
@@ -9,6 +9,7 @@
     <p:sldId id="257" r:id="rId3"/>
     <p:sldId id="258" r:id="rId4"/>
     <p:sldId id="259" r:id="rId5"/>
+    <p:sldId id="261" r:id="rId6"/>
   </p:sldIdLst>
   <p:sldSz cx="12192000" cy="6858000"/>
   <p:notesSz cx="6858000" cy="9144000"/>
@@ -569,7 +570,7 @@
           <a:p>
             <a:fld id="{5C5829FE-3ECE-43EB-AA89-77E3B8E60A9D}" type="slidenum">
               <a:rPr lang="en-GB" smtClean="0"/>
-              <a:t>‹#›</a:t>
+              <a:t>‹nº›</a:t>
             </a:fld>
             <a:endParaRPr lang="en-GB"/>
           </a:p>
@@ -739,7 +740,7 @@
           <a:p>
             <a:fld id="{5C5829FE-3ECE-43EB-AA89-77E3B8E60A9D}" type="slidenum">
               <a:rPr lang="en-GB" smtClean="0"/>
-              <a:t>‹#›</a:t>
+              <a:t>‹nº›</a:t>
             </a:fld>
             <a:endParaRPr lang="en-GB"/>
           </a:p>
@@ -919,7 +920,7 @@
           <a:p>
             <a:fld id="{5C5829FE-3ECE-43EB-AA89-77E3B8E60A9D}" type="slidenum">
               <a:rPr lang="en-GB" smtClean="0"/>
-              <a:t>‹#›</a:t>
+              <a:t>‹nº›</a:t>
             </a:fld>
             <a:endParaRPr lang="en-GB"/>
           </a:p>
@@ -1089,7 +1090,7 @@
           <a:p>
             <a:fld id="{5C5829FE-3ECE-43EB-AA89-77E3B8E60A9D}" type="slidenum">
               <a:rPr lang="en-GB" smtClean="0"/>
-              <a:t>‹#›</a:t>
+              <a:t>‹nº›</a:t>
             </a:fld>
             <a:endParaRPr lang="en-GB"/>
           </a:p>
@@ -1500,7 +1501,7 @@
           <a:p>
             <a:fld id="{5C5829FE-3ECE-43EB-AA89-77E3B8E60A9D}" type="slidenum">
               <a:rPr lang="en-GB" smtClean="0"/>
-              <a:t>‹#›</a:t>
+              <a:t>‹nº›</a:t>
             </a:fld>
             <a:endParaRPr lang="en-GB"/>
           </a:p>
@@ -1788,7 +1789,7 @@
           <a:p>
             <a:fld id="{5C5829FE-3ECE-43EB-AA89-77E3B8E60A9D}" type="slidenum">
               <a:rPr lang="en-GB" smtClean="0"/>
-              <a:t>‹#›</a:t>
+              <a:t>‹nº›</a:t>
             </a:fld>
             <a:endParaRPr lang="en-GB"/>
           </a:p>
@@ -2222,7 +2223,7 @@
           <a:p>
             <a:fld id="{5C5829FE-3ECE-43EB-AA89-77E3B8E60A9D}" type="slidenum">
               <a:rPr lang="en-GB" smtClean="0"/>
-              <a:t>‹#›</a:t>
+              <a:t>‹nº›</a:t>
             </a:fld>
             <a:endParaRPr lang="en-GB"/>
           </a:p>
@@ -2340,7 +2341,7 @@
           <a:p>
             <a:fld id="{5C5829FE-3ECE-43EB-AA89-77E3B8E60A9D}" type="slidenum">
               <a:rPr lang="en-GB" smtClean="0"/>
-              <a:t>‹#›</a:t>
+              <a:t>‹nº›</a:t>
             </a:fld>
             <a:endParaRPr lang="en-GB"/>
           </a:p>
@@ -2435,7 +2436,7 @@
           <a:p>
             <a:fld id="{5C5829FE-3ECE-43EB-AA89-77E3B8E60A9D}" type="slidenum">
               <a:rPr lang="en-GB" smtClean="0"/>
-              <a:t>‹#›</a:t>
+              <a:t>‹nº›</a:t>
             </a:fld>
             <a:endParaRPr lang="en-GB"/>
           </a:p>
@@ -2874,7 +2875,7 @@
           <a:p>
             <a:fld id="{5C5829FE-3ECE-43EB-AA89-77E3B8E60A9D}" type="slidenum">
               <a:rPr lang="en-GB" smtClean="0"/>
-              <a:t>‹#›</a:t>
+              <a:t>‹nº›</a:t>
             </a:fld>
             <a:endParaRPr lang="en-GB"/>
           </a:p>
@@ -3280,7 +3281,7 @@
           <a:p>
             <a:fld id="{5C5829FE-3ECE-43EB-AA89-77E3B8E60A9D}" type="slidenum">
               <a:rPr lang="en-GB" smtClean="0"/>
-              <a:t>‹#›</a:t>
+              <a:t>‹nº›</a:t>
             </a:fld>
             <a:endParaRPr lang="en-GB"/>
           </a:p>
@@ -3613,7 +3614,7 @@
           <a:p>
             <a:fld id="{5C5829FE-3ECE-43EB-AA89-77E3B8E60A9D}" type="slidenum">
               <a:rPr lang="en-GB" smtClean="0"/>
-              <a:t>‹#›</a:t>
+              <a:t>‹nº›</a:t>
             </a:fld>
             <a:endParaRPr lang="en-GB"/>
           </a:p>
@@ -4041,7 +4042,12 @@
             <p:ph type="ctrTitle"/>
           </p:nvPr>
         </p:nvSpPr>
-        <p:spPr/>
+        <p:spPr>
+          <a:xfrm>
+            <a:off x="1051560" y="1468799"/>
+            <a:ext cx="9966960" cy="3035808"/>
+          </a:xfrm>
+        </p:spPr>
         <p:txBody>
           <a:bodyPr/>
           <a:lstStyle/>
@@ -4745,6 +4751,100 @@
     <p:extLst>
       <p:ext uri="{BB962C8B-B14F-4D97-AF65-F5344CB8AC3E}">
         <p14:creationId xmlns:p14="http://schemas.microsoft.com/office/powerpoint/2010/main" val="4258592134"/>
+      </p:ext>
+    </p:extLst>
+  </p:cSld>
+  <p:clrMapOvr>
+    <a:masterClrMapping/>
+  </p:clrMapOvr>
+</p:sld>
+</file>
+
+<file path=ppt/slides/slide5.xml><?xml version="1.0" encoding="utf-8"?>
+<p:sld xmlns:a="http://schemas.openxmlformats.org/drawingml/2006/main" xmlns:r="http://schemas.openxmlformats.org/officeDocument/2006/relationships" xmlns:p="http://schemas.openxmlformats.org/presentationml/2006/main">
+  <p:cSld>
+    <p:spTree>
+      <p:nvGrpSpPr>
+        <p:cNvPr id="1" name=""/>
+        <p:cNvGrpSpPr/>
+        <p:nvPr/>
+      </p:nvGrpSpPr>
+      <p:grpSpPr>
+        <a:xfrm>
+          <a:off x="0" y="0"/>
+          <a:ext cx="0" cy="0"/>
+          <a:chOff x="0" y="0"/>
+          <a:chExt cx="0" cy="0"/>
+        </a:xfrm>
+      </p:grpSpPr>
+      <p:sp>
+        <p:nvSpPr>
+          <p:cNvPr id="2" name="Título 1">
+            <a:extLst>
+              <a:ext uri="{FF2B5EF4-FFF2-40B4-BE49-F238E27FC236}">
+                <a16:creationId xmlns:a16="http://schemas.microsoft.com/office/drawing/2014/main" id="{EBE87C45-2896-0F9E-652F-4FCF1CCBF6DA}"/>
+              </a:ext>
+            </a:extLst>
+          </p:cNvPr>
+          <p:cNvSpPr>
+            <a:spLocks noGrp="1"/>
+          </p:cNvSpPr>
+          <p:nvPr>
+            <p:ph type="title"/>
+          </p:nvPr>
+        </p:nvSpPr>
+        <p:spPr/>
+        <p:txBody>
+          <a:bodyPr/>
+          <a:lstStyle/>
+          <a:p>
+            <a:r>
+              <a:rPr lang="pt-PT" dirty="0" err="1"/>
+              <a:t>Results</a:t>
+            </a:r>
+            <a:endParaRPr lang="en-GB" dirty="0"/>
+          </a:p>
+        </p:txBody>
+      </p:sp>
+      <p:pic>
+        <p:nvPicPr>
+          <p:cNvPr id="7" name="Marcador de Posição de Conteúdo 6" descr="Uma imagem com texto, captura de ecrã, Gráfico, diagrama&#10;&#10;Os conteúdos gerados por IA poderão estar incorretos.">
+            <a:extLst>
+              <a:ext uri="{FF2B5EF4-FFF2-40B4-BE49-F238E27FC236}">
+                <a16:creationId xmlns:a16="http://schemas.microsoft.com/office/drawing/2014/main" id="{34972EE8-E07E-431A-B476-E947176DEEAC}"/>
+              </a:ext>
+            </a:extLst>
+          </p:cNvPr>
+          <p:cNvPicPr>
+            <a:picLocks noGrp="1" noChangeAspect="1"/>
+          </p:cNvPicPr>
+          <p:nvPr>
+            <p:ph idx="1"/>
+          </p:nvPr>
+        </p:nvPicPr>
+        <p:blipFill>
+          <a:blip r:embed="rId2">
+            <a:extLst>
+              <a:ext uri="{28A0092B-C50C-407E-A947-70E740481C1C}">
+                <a14:useLocalDpi xmlns:a14="http://schemas.microsoft.com/office/drawing/2010/main" val="0"/>
+              </a:ext>
+            </a:extLst>
+          </a:blip>
+          <a:stretch>
+            <a:fillRect/>
+          </a:stretch>
+        </p:blipFill>
+        <p:spPr>
+          <a:xfrm>
+            <a:off x="1063752" y="1516416"/>
+            <a:ext cx="10031391" cy="4299168"/>
+          </a:xfrm>
+        </p:spPr>
+      </p:pic>
+    </p:spTree>
+    <p:extLst>
+      <p:ext uri="{BB962C8B-B14F-4D97-AF65-F5344CB8AC3E}">
+        <p14:creationId xmlns:p14="http://schemas.microsoft.com/office/powerpoint/2010/main" val="511724628"/>
       </p:ext>
     </p:extLst>
   </p:cSld>

--- a/Presentation.pptx
+++ b/Presentation.pptx
@@ -4,6 +4,9 @@
   <p:sldMasterIdLst>
     <p:sldMasterId id="2147483672" r:id="rId1"/>
   </p:sldMasterIdLst>
+  <p:notesMasterIdLst>
+    <p:notesMasterId r:id="rId7"/>
+  </p:notesMasterIdLst>
   <p:sldIdLst>
     <p:sldId id="256" r:id="rId2"/>
     <p:sldId id="257" r:id="rId3"/>
@@ -116,6 +119,1748 @@
 </p:presentation>
 </file>
 
+<file path=ppt/notesMasters/notesMaster1.xml><?xml version="1.0" encoding="utf-8"?>
+<p:notesMaster xmlns:a="http://schemas.openxmlformats.org/drawingml/2006/main" xmlns:r="http://schemas.openxmlformats.org/officeDocument/2006/relationships" xmlns:p="http://schemas.openxmlformats.org/presentationml/2006/main">
+  <p:cSld>
+    <p:bg>
+      <p:bgRef idx="1001">
+        <a:schemeClr val="bg1"/>
+      </p:bgRef>
+    </p:bg>
+    <p:spTree>
+      <p:nvGrpSpPr>
+        <p:cNvPr id="1" name=""/>
+        <p:cNvGrpSpPr/>
+        <p:nvPr/>
+      </p:nvGrpSpPr>
+      <p:grpSpPr>
+        <a:xfrm>
+          <a:off x="0" y="0"/>
+          <a:ext cx="0" cy="0"/>
+          <a:chOff x="0" y="0"/>
+          <a:chExt cx="0" cy="0"/>
+        </a:xfrm>
+      </p:grpSpPr>
+      <p:sp>
+        <p:nvSpPr>
+          <p:cNvPr id="2" name="Marcador de Posição do Cabeçalho 1"/>
+          <p:cNvSpPr>
+            <a:spLocks noGrp="1"/>
+          </p:cNvSpPr>
+          <p:nvPr>
+            <p:ph type="hdr" sz="quarter"/>
+          </p:nvPr>
+        </p:nvSpPr>
+        <p:spPr>
+          <a:xfrm>
+            <a:off x="0" y="0"/>
+            <a:ext cx="2971800" cy="458788"/>
+          </a:xfrm>
+          <a:prstGeom prst="rect">
+            <a:avLst/>
+          </a:prstGeom>
+        </p:spPr>
+        <p:txBody>
+          <a:bodyPr vert="horz" lIns="91440" tIns="45720" rIns="91440" bIns="45720" rtlCol="0"/>
+          <a:lstStyle>
+            <a:lvl1pPr algn="l">
+              <a:defRPr sz="1200"/>
+            </a:lvl1pPr>
+          </a:lstStyle>
+          <a:p>
+            <a:endParaRPr lang="en-GB"/>
+          </a:p>
+        </p:txBody>
+      </p:sp>
+      <p:sp>
+        <p:nvSpPr>
+          <p:cNvPr id="3" name="Marcador de Posição da Data 2"/>
+          <p:cNvSpPr>
+            <a:spLocks noGrp="1"/>
+          </p:cNvSpPr>
+          <p:nvPr>
+            <p:ph type="dt" idx="1"/>
+          </p:nvPr>
+        </p:nvSpPr>
+        <p:spPr>
+          <a:xfrm>
+            <a:off x="3884613" y="0"/>
+            <a:ext cx="2971800" cy="458788"/>
+          </a:xfrm>
+          <a:prstGeom prst="rect">
+            <a:avLst/>
+          </a:prstGeom>
+        </p:spPr>
+        <p:txBody>
+          <a:bodyPr vert="horz" lIns="91440" tIns="45720" rIns="91440" bIns="45720" rtlCol="0"/>
+          <a:lstStyle>
+            <a:lvl1pPr algn="r">
+              <a:defRPr sz="1200"/>
+            </a:lvl1pPr>
+          </a:lstStyle>
+          <a:p>
+            <a:fld id="{7CA74C26-AA66-4D2D-B5A3-DE8C75EC5026}" type="datetimeFigureOut">
+              <a:rPr lang="en-GB" smtClean="0"/>
+              <a:t>14/03/2025</a:t>
+            </a:fld>
+            <a:endParaRPr lang="en-GB"/>
+          </a:p>
+        </p:txBody>
+      </p:sp>
+      <p:sp>
+        <p:nvSpPr>
+          <p:cNvPr id="4" name="Marcador de Posição da Imagem do Diapositivo 3"/>
+          <p:cNvSpPr>
+            <a:spLocks noGrp="1" noRot="1" noChangeAspect="1"/>
+          </p:cNvSpPr>
+          <p:nvPr>
+            <p:ph type="sldImg" idx="2"/>
+          </p:nvPr>
+        </p:nvSpPr>
+        <p:spPr>
+          <a:xfrm>
+            <a:off x="685800" y="1143000"/>
+            <a:ext cx="5486400" cy="3086100"/>
+          </a:xfrm>
+          <a:prstGeom prst="rect">
+            <a:avLst/>
+          </a:prstGeom>
+          <a:noFill/>
+          <a:ln w="12700">
+            <a:solidFill>
+              <a:prstClr val="black"/>
+            </a:solidFill>
+          </a:ln>
+        </p:spPr>
+        <p:txBody>
+          <a:bodyPr vert="horz" lIns="91440" tIns="45720" rIns="91440" bIns="45720" rtlCol="0" anchor="ctr"/>
+          <a:lstStyle/>
+          <a:p>
+            <a:endParaRPr lang="en-GB"/>
+          </a:p>
+        </p:txBody>
+      </p:sp>
+      <p:sp>
+        <p:nvSpPr>
+          <p:cNvPr id="5" name="Marcador de Posição de Notas 4"/>
+          <p:cNvSpPr>
+            <a:spLocks noGrp="1"/>
+          </p:cNvSpPr>
+          <p:nvPr>
+            <p:ph type="body" sz="quarter" idx="3"/>
+          </p:nvPr>
+        </p:nvSpPr>
+        <p:spPr>
+          <a:xfrm>
+            <a:off x="685800" y="4400550"/>
+            <a:ext cx="5486400" cy="3600450"/>
+          </a:xfrm>
+          <a:prstGeom prst="rect">
+            <a:avLst/>
+          </a:prstGeom>
+        </p:spPr>
+        <p:txBody>
+          <a:bodyPr vert="horz" lIns="91440" tIns="45720" rIns="91440" bIns="45720" rtlCol="0"/>
+          <a:lstStyle/>
+          <a:p>
+            <a:pPr lvl="0"/>
+            <a:r>
+              <a:rPr lang="pt-PT"/>
+              <a:t>Clique para editar os estilos do texto de Modelo Global</a:t>
+            </a:r>
+          </a:p>
+          <a:p>
+            <a:pPr lvl="1"/>
+            <a:r>
+              <a:rPr lang="pt-PT"/>
+              <a:t>Segundo nível</a:t>
+            </a:r>
+          </a:p>
+          <a:p>
+            <a:pPr lvl="2"/>
+            <a:r>
+              <a:rPr lang="pt-PT"/>
+              <a:t>Terceiro nível</a:t>
+            </a:r>
+          </a:p>
+          <a:p>
+            <a:pPr lvl="3"/>
+            <a:r>
+              <a:rPr lang="pt-PT"/>
+              <a:t>Quarto nível</a:t>
+            </a:r>
+          </a:p>
+          <a:p>
+            <a:pPr lvl="4"/>
+            <a:r>
+              <a:rPr lang="pt-PT"/>
+              <a:t>Quinto nível</a:t>
+            </a:r>
+            <a:endParaRPr lang="en-GB"/>
+          </a:p>
+        </p:txBody>
+      </p:sp>
+      <p:sp>
+        <p:nvSpPr>
+          <p:cNvPr id="6" name="Marcador de Posição do Rodapé 5"/>
+          <p:cNvSpPr>
+            <a:spLocks noGrp="1"/>
+          </p:cNvSpPr>
+          <p:nvPr>
+            <p:ph type="ftr" sz="quarter" idx="4"/>
+          </p:nvPr>
+        </p:nvSpPr>
+        <p:spPr>
+          <a:xfrm>
+            <a:off x="0" y="8685213"/>
+            <a:ext cx="2971800" cy="458787"/>
+          </a:xfrm>
+          <a:prstGeom prst="rect">
+            <a:avLst/>
+          </a:prstGeom>
+        </p:spPr>
+        <p:txBody>
+          <a:bodyPr vert="horz" lIns="91440" tIns="45720" rIns="91440" bIns="45720" rtlCol="0" anchor="b"/>
+          <a:lstStyle>
+            <a:lvl1pPr algn="l">
+              <a:defRPr sz="1200"/>
+            </a:lvl1pPr>
+          </a:lstStyle>
+          <a:p>
+            <a:endParaRPr lang="en-GB"/>
+          </a:p>
+        </p:txBody>
+      </p:sp>
+      <p:sp>
+        <p:nvSpPr>
+          <p:cNvPr id="7" name="Marcador de Posição do Número do Diapositivo 6"/>
+          <p:cNvSpPr>
+            <a:spLocks noGrp="1"/>
+          </p:cNvSpPr>
+          <p:nvPr>
+            <p:ph type="sldNum" sz="quarter" idx="5"/>
+          </p:nvPr>
+        </p:nvSpPr>
+        <p:spPr>
+          <a:xfrm>
+            <a:off x="3884613" y="8685213"/>
+            <a:ext cx="2971800" cy="458787"/>
+          </a:xfrm>
+          <a:prstGeom prst="rect">
+            <a:avLst/>
+          </a:prstGeom>
+        </p:spPr>
+        <p:txBody>
+          <a:bodyPr vert="horz" lIns="91440" tIns="45720" rIns="91440" bIns="45720" rtlCol="0" anchor="b"/>
+          <a:lstStyle>
+            <a:lvl1pPr algn="r">
+              <a:defRPr sz="1200"/>
+            </a:lvl1pPr>
+          </a:lstStyle>
+          <a:p>
+            <a:fld id="{25E5AD14-E64D-4308-8E49-C69BC1C2C615}" type="slidenum">
+              <a:rPr lang="en-GB" smtClean="0"/>
+              <a:t>‹nº›</a:t>
+            </a:fld>
+            <a:endParaRPr lang="en-GB"/>
+          </a:p>
+        </p:txBody>
+      </p:sp>
+    </p:spTree>
+    <p:extLst>
+      <p:ext uri="{BB962C8B-B14F-4D97-AF65-F5344CB8AC3E}">
+        <p14:creationId xmlns:p14="http://schemas.microsoft.com/office/powerpoint/2010/main" val="332745483"/>
+      </p:ext>
+    </p:extLst>
+  </p:cSld>
+  <p:clrMap bg1="lt1" tx1="dk1" bg2="lt2" tx2="dk2" accent1="accent1" accent2="accent2" accent3="accent3" accent4="accent4" accent5="accent5" accent6="accent6" hlink="hlink" folHlink="folHlink"/>
+  <p:notesStyle>
+    <a:lvl1pPr marL="0" algn="l" defTabSz="914400" rtl="0" eaLnBrk="1" latinLnBrk="0" hangingPunct="1">
+      <a:defRPr sz="1200" kern="1200">
+        <a:solidFill>
+          <a:schemeClr val="tx1"/>
+        </a:solidFill>
+        <a:latin typeface="+mn-lt"/>
+        <a:ea typeface="+mn-ea"/>
+        <a:cs typeface="+mn-cs"/>
+      </a:defRPr>
+    </a:lvl1pPr>
+    <a:lvl2pPr marL="457200" algn="l" defTabSz="914400" rtl="0" eaLnBrk="1" latinLnBrk="0" hangingPunct="1">
+      <a:defRPr sz="1200" kern="1200">
+        <a:solidFill>
+          <a:schemeClr val="tx1"/>
+        </a:solidFill>
+        <a:latin typeface="+mn-lt"/>
+        <a:ea typeface="+mn-ea"/>
+        <a:cs typeface="+mn-cs"/>
+      </a:defRPr>
+    </a:lvl2pPr>
+    <a:lvl3pPr marL="914400" algn="l" defTabSz="914400" rtl="0" eaLnBrk="1" latinLnBrk="0" hangingPunct="1">
+      <a:defRPr sz="1200" kern="1200">
+        <a:solidFill>
+          <a:schemeClr val="tx1"/>
+        </a:solidFill>
+        <a:latin typeface="+mn-lt"/>
+        <a:ea typeface="+mn-ea"/>
+        <a:cs typeface="+mn-cs"/>
+      </a:defRPr>
+    </a:lvl3pPr>
+    <a:lvl4pPr marL="1371600" algn="l" defTabSz="914400" rtl="0" eaLnBrk="1" latinLnBrk="0" hangingPunct="1">
+      <a:defRPr sz="1200" kern="1200">
+        <a:solidFill>
+          <a:schemeClr val="tx1"/>
+        </a:solidFill>
+        <a:latin typeface="+mn-lt"/>
+        <a:ea typeface="+mn-ea"/>
+        <a:cs typeface="+mn-cs"/>
+      </a:defRPr>
+    </a:lvl4pPr>
+    <a:lvl5pPr marL="1828800" algn="l" defTabSz="914400" rtl="0" eaLnBrk="1" latinLnBrk="0" hangingPunct="1">
+      <a:defRPr sz="1200" kern="1200">
+        <a:solidFill>
+          <a:schemeClr val="tx1"/>
+        </a:solidFill>
+        <a:latin typeface="+mn-lt"/>
+        <a:ea typeface="+mn-ea"/>
+        <a:cs typeface="+mn-cs"/>
+      </a:defRPr>
+    </a:lvl5pPr>
+    <a:lvl6pPr marL="2286000" algn="l" defTabSz="914400" rtl="0" eaLnBrk="1" latinLnBrk="0" hangingPunct="1">
+      <a:defRPr sz="1200" kern="1200">
+        <a:solidFill>
+          <a:schemeClr val="tx1"/>
+        </a:solidFill>
+        <a:latin typeface="+mn-lt"/>
+        <a:ea typeface="+mn-ea"/>
+        <a:cs typeface="+mn-cs"/>
+      </a:defRPr>
+    </a:lvl6pPr>
+    <a:lvl7pPr marL="2743200" algn="l" defTabSz="914400" rtl="0" eaLnBrk="1" latinLnBrk="0" hangingPunct="1">
+      <a:defRPr sz="1200" kern="1200">
+        <a:solidFill>
+          <a:schemeClr val="tx1"/>
+        </a:solidFill>
+        <a:latin typeface="+mn-lt"/>
+        <a:ea typeface="+mn-ea"/>
+        <a:cs typeface="+mn-cs"/>
+      </a:defRPr>
+    </a:lvl7pPr>
+    <a:lvl8pPr marL="3200400" algn="l" defTabSz="914400" rtl="0" eaLnBrk="1" latinLnBrk="0" hangingPunct="1">
+      <a:defRPr sz="1200" kern="1200">
+        <a:solidFill>
+          <a:schemeClr val="tx1"/>
+        </a:solidFill>
+        <a:latin typeface="+mn-lt"/>
+        <a:ea typeface="+mn-ea"/>
+        <a:cs typeface="+mn-cs"/>
+      </a:defRPr>
+    </a:lvl8pPr>
+    <a:lvl9pPr marL="3657600" algn="l" defTabSz="914400" rtl="0" eaLnBrk="1" latinLnBrk="0" hangingPunct="1">
+      <a:defRPr sz="1200" kern="1200">
+        <a:solidFill>
+          <a:schemeClr val="tx1"/>
+        </a:solidFill>
+        <a:latin typeface="+mn-lt"/>
+        <a:ea typeface="+mn-ea"/>
+        <a:cs typeface="+mn-cs"/>
+      </a:defRPr>
+    </a:lvl9pPr>
+  </p:notesStyle>
+</p:notesMaster>
+</file>
+
+<file path=ppt/notesSlides/notesSlide1.xml><?xml version="1.0" encoding="utf-8"?>
+<p:notes xmlns:a="http://schemas.openxmlformats.org/drawingml/2006/main" xmlns:r="http://schemas.openxmlformats.org/officeDocument/2006/relationships" xmlns:p="http://schemas.openxmlformats.org/presentationml/2006/main">
+  <p:cSld>
+    <p:spTree>
+      <p:nvGrpSpPr>
+        <p:cNvPr id="1" name=""/>
+        <p:cNvGrpSpPr/>
+        <p:nvPr/>
+      </p:nvGrpSpPr>
+      <p:grpSpPr>
+        <a:xfrm>
+          <a:off x="0" y="0"/>
+          <a:ext cx="0" cy="0"/>
+          <a:chOff x="0" y="0"/>
+          <a:chExt cx="0" cy="0"/>
+        </a:xfrm>
+      </p:grpSpPr>
+      <p:sp>
+        <p:nvSpPr>
+          <p:cNvPr id="2" name="Marcador de Posição da Imagem do Diapositivo 1"/>
+          <p:cNvSpPr>
+            <a:spLocks noGrp="1" noRot="1" noChangeAspect="1"/>
+          </p:cNvSpPr>
+          <p:nvPr>
+            <p:ph type="sldImg"/>
+          </p:nvPr>
+        </p:nvSpPr>
+        <p:spPr/>
+      </p:sp>
+      <p:sp>
+        <p:nvSpPr>
+          <p:cNvPr id="3" name="Marcador de Posição de Notas 2"/>
+          <p:cNvSpPr>
+            <a:spLocks noGrp="1"/>
+          </p:cNvSpPr>
+          <p:nvPr>
+            <p:ph type="body" idx="1"/>
+          </p:nvPr>
+        </p:nvSpPr>
+        <p:spPr/>
+        <p:txBody>
+          <a:bodyPr/>
+          <a:lstStyle/>
+          <a:p>
+            <a:r>
+              <a:rPr lang="en-GB" dirty="0"/>
+              <a:t>O </a:t>
+            </a:r>
+            <a:r>
+              <a:rPr lang="en-GB" dirty="0" err="1"/>
+              <a:t>nosso</a:t>
+            </a:r>
+            <a:r>
+              <a:rPr lang="en-GB" dirty="0"/>
+              <a:t> </a:t>
+            </a:r>
+            <a:r>
+              <a:rPr lang="en-GB" dirty="0" err="1"/>
+              <a:t>problema</a:t>
+            </a:r>
+            <a:r>
+              <a:rPr lang="en-GB" dirty="0"/>
+              <a:t> </a:t>
+            </a:r>
+            <a:r>
+              <a:rPr lang="en-GB" dirty="0" err="1"/>
+              <a:t>consiste</a:t>
+            </a:r>
+            <a:r>
+              <a:rPr lang="en-GB" dirty="0"/>
+              <a:t> </a:t>
+            </a:r>
+            <a:r>
+              <a:rPr lang="en-GB" dirty="0" err="1"/>
+              <a:t>em</a:t>
+            </a:r>
+            <a:r>
+              <a:rPr lang="en-GB" dirty="0"/>
+              <a:t> </a:t>
+            </a:r>
+            <a:r>
+              <a:rPr lang="en-GB" dirty="0" err="1"/>
+              <a:t>optimizar</a:t>
+            </a:r>
+            <a:r>
+              <a:rPr lang="en-GB" dirty="0"/>
+              <a:t> </a:t>
+            </a:r>
+            <a:r>
+              <a:rPr lang="en-GB" dirty="0" err="1"/>
+              <a:t>cargas</a:t>
+            </a:r>
+            <a:r>
+              <a:rPr lang="en-GB" dirty="0"/>
+              <a:t> e </a:t>
+            </a:r>
+            <a:r>
+              <a:rPr lang="en-GB" dirty="0" err="1"/>
+              <a:t>descarga</a:t>
+            </a:r>
+            <a:r>
+              <a:rPr lang="en-GB" dirty="0"/>
+              <a:t> de </a:t>
+            </a:r>
+            <a:r>
+              <a:rPr lang="en-GB" dirty="0" err="1"/>
+              <a:t>uma</a:t>
+            </a:r>
+            <a:r>
+              <a:rPr lang="en-GB" dirty="0"/>
+              <a:t> </a:t>
+            </a:r>
+            <a:r>
+              <a:rPr lang="en-GB" dirty="0" err="1"/>
+              <a:t>comunidade</a:t>
+            </a:r>
+            <a:r>
+              <a:rPr lang="en-GB" dirty="0"/>
+              <a:t> de </a:t>
+            </a:r>
+            <a:r>
+              <a:rPr lang="en-GB" dirty="0" err="1"/>
+              <a:t>baterias</a:t>
+            </a:r>
+            <a:r>
+              <a:rPr lang="en-GB" dirty="0"/>
+              <a:t> </a:t>
+            </a:r>
+            <a:r>
+              <a:rPr lang="en-GB" dirty="0" err="1"/>
+              <a:t>através</a:t>
+            </a:r>
+            <a:r>
+              <a:rPr lang="en-GB" dirty="0"/>
+              <a:t> da </a:t>
+            </a:r>
+            <a:r>
+              <a:rPr lang="en-GB" dirty="0" err="1"/>
+              <a:t>minimização</a:t>
+            </a:r>
+            <a:r>
+              <a:rPr lang="en-GB" dirty="0"/>
+              <a:t> de custos, </a:t>
+            </a:r>
+            <a:r>
+              <a:rPr lang="en-GB" dirty="0" err="1"/>
+              <a:t>isto</a:t>
+            </a:r>
+            <a:r>
+              <a:rPr lang="en-GB" dirty="0"/>
+              <a:t> </a:t>
+            </a:r>
+            <a:r>
+              <a:rPr lang="en-GB" dirty="0" err="1"/>
+              <a:t>dentro</a:t>
+            </a:r>
+            <a:r>
+              <a:rPr lang="en-GB" dirty="0"/>
+              <a:t> de </a:t>
+            </a:r>
+            <a:r>
+              <a:rPr lang="en-GB" dirty="0" err="1"/>
+              <a:t>uma</a:t>
+            </a:r>
+            <a:r>
+              <a:rPr lang="en-GB" dirty="0"/>
+              <a:t> </a:t>
+            </a:r>
+            <a:r>
+              <a:rPr lang="en-GB" dirty="0" err="1"/>
+              <a:t>comunidade</a:t>
+            </a:r>
+            <a:r>
+              <a:rPr lang="en-GB" dirty="0"/>
+              <a:t> </a:t>
+            </a:r>
+            <a:r>
+              <a:rPr lang="en-GB" dirty="0" err="1"/>
+              <a:t>energética</a:t>
+            </a:r>
+            <a:r>
+              <a:rPr lang="en-GB" dirty="0"/>
+              <a:t>. </a:t>
+            </a:r>
+            <a:br>
+              <a:rPr lang="en-GB" dirty="0"/>
+            </a:br>
+            <a:r>
+              <a:rPr lang="en-GB" dirty="0"/>
+              <a:t>Nesta </a:t>
+            </a:r>
+            <a:r>
+              <a:rPr lang="en-GB" dirty="0" err="1"/>
+              <a:t>primeira</a:t>
+            </a:r>
+            <a:r>
+              <a:rPr lang="en-GB" dirty="0"/>
+              <a:t> </a:t>
+            </a:r>
+            <a:r>
+              <a:rPr lang="en-GB" dirty="0" err="1"/>
+              <a:t>parte</a:t>
+            </a:r>
+            <a:r>
+              <a:rPr lang="en-GB" dirty="0"/>
+              <a:t>, o </a:t>
+            </a:r>
+            <a:r>
+              <a:rPr lang="en-GB" dirty="0" err="1"/>
+              <a:t>nosso</a:t>
+            </a:r>
+            <a:r>
+              <a:rPr lang="en-GB" dirty="0"/>
+              <a:t> </a:t>
+            </a:r>
+            <a:r>
+              <a:rPr lang="en-GB" dirty="0" err="1"/>
+              <a:t>problema</a:t>
+            </a:r>
+            <a:r>
+              <a:rPr lang="en-GB" dirty="0"/>
+              <a:t> </a:t>
+            </a:r>
+            <a:r>
+              <a:rPr lang="en-GB" dirty="0" err="1"/>
+              <a:t>foi</a:t>
+            </a:r>
+            <a:r>
+              <a:rPr lang="en-GB" dirty="0"/>
+              <a:t> </a:t>
+            </a:r>
+            <a:r>
+              <a:rPr lang="en-GB" dirty="0" err="1"/>
+              <a:t>abordado</a:t>
+            </a:r>
+            <a:r>
+              <a:rPr lang="en-GB" dirty="0"/>
+              <a:t> </a:t>
+            </a:r>
+            <a:r>
+              <a:rPr lang="en-GB" dirty="0" err="1"/>
+              <a:t>atrás</a:t>
+            </a:r>
+            <a:r>
+              <a:rPr lang="en-GB" dirty="0"/>
+              <a:t> de </a:t>
+            </a:r>
+            <a:r>
+              <a:rPr lang="en-GB" dirty="0" err="1"/>
+              <a:t>programação</a:t>
+            </a:r>
+            <a:r>
+              <a:rPr lang="en-GB" dirty="0"/>
+              <a:t> linear, </a:t>
+            </a:r>
+            <a:r>
+              <a:rPr lang="en-GB" dirty="0" err="1"/>
+              <a:t>obrigando</a:t>
+            </a:r>
+            <a:r>
+              <a:rPr lang="en-GB" dirty="0"/>
+              <a:t> a </a:t>
+            </a:r>
+            <a:r>
+              <a:rPr lang="en-GB" dirty="0" err="1"/>
+              <a:t>uma</a:t>
+            </a:r>
+            <a:r>
+              <a:rPr lang="en-GB" dirty="0"/>
+              <a:t> </a:t>
+            </a:r>
+            <a:r>
+              <a:rPr lang="en-GB" dirty="0" err="1"/>
+              <a:t>simplificação</a:t>
+            </a:r>
+            <a:r>
+              <a:rPr lang="en-GB" dirty="0"/>
+              <a:t> do </a:t>
+            </a:r>
+            <a:r>
+              <a:rPr lang="en-GB" dirty="0" err="1"/>
+              <a:t>problema</a:t>
+            </a:r>
+            <a:r>
+              <a:rPr lang="en-GB" dirty="0"/>
+              <a:t> que </a:t>
+            </a:r>
+            <a:r>
+              <a:rPr lang="en-GB" dirty="0" err="1"/>
+              <a:t>irá</a:t>
+            </a:r>
+            <a:r>
+              <a:rPr lang="en-GB" dirty="0"/>
+              <a:t> ser </a:t>
+            </a:r>
+            <a:r>
+              <a:rPr lang="en-GB" dirty="0" err="1"/>
+              <a:t>explicade</a:t>
+            </a:r>
+            <a:r>
+              <a:rPr lang="en-GB" dirty="0"/>
+              <a:t> de </a:t>
+            </a:r>
+            <a:r>
+              <a:rPr lang="en-GB" dirty="0" err="1"/>
+              <a:t>seguida</a:t>
+            </a:r>
+            <a:r>
+              <a:rPr lang="en-GB" dirty="0"/>
+              <a:t>.</a:t>
+            </a:r>
+          </a:p>
+        </p:txBody>
+      </p:sp>
+      <p:sp>
+        <p:nvSpPr>
+          <p:cNvPr id="4" name="Marcador de Posição do Número do Diapositivo 3"/>
+          <p:cNvSpPr>
+            <a:spLocks noGrp="1"/>
+          </p:cNvSpPr>
+          <p:nvPr>
+            <p:ph type="sldNum" sz="quarter" idx="5"/>
+          </p:nvPr>
+        </p:nvSpPr>
+        <p:spPr/>
+        <p:txBody>
+          <a:bodyPr/>
+          <a:lstStyle/>
+          <a:p>
+            <a:fld id="{25E5AD14-E64D-4308-8E49-C69BC1C2C615}" type="slidenum">
+              <a:rPr lang="en-GB" smtClean="0"/>
+              <a:t>2</a:t>
+            </a:fld>
+            <a:endParaRPr lang="en-GB"/>
+          </a:p>
+        </p:txBody>
+      </p:sp>
+    </p:spTree>
+    <p:extLst>
+      <p:ext uri="{BB962C8B-B14F-4D97-AF65-F5344CB8AC3E}">
+        <p14:creationId xmlns:p14="http://schemas.microsoft.com/office/powerpoint/2010/main" val="3626897439"/>
+      </p:ext>
+    </p:extLst>
+  </p:cSld>
+  <p:clrMapOvr>
+    <a:masterClrMapping/>
+  </p:clrMapOvr>
+</p:notes>
+</file>
+
+<file path=ppt/notesSlides/notesSlide2.xml><?xml version="1.0" encoding="utf-8"?>
+<p:notes xmlns:a="http://schemas.openxmlformats.org/drawingml/2006/main" xmlns:r="http://schemas.openxmlformats.org/officeDocument/2006/relationships" xmlns:p="http://schemas.openxmlformats.org/presentationml/2006/main">
+  <p:cSld>
+    <p:spTree>
+      <p:nvGrpSpPr>
+        <p:cNvPr id="1" name=""/>
+        <p:cNvGrpSpPr/>
+        <p:nvPr/>
+      </p:nvGrpSpPr>
+      <p:grpSpPr>
+        <a:xfrm>
+          <a:off x="0" y="0"/>
+          <a:ext cx="0" cy="0"/>
+          <a:chOff x="0" y="0"/>
+          <a:chExt cx="0" cy="0"/>
+        </a:xfrm>
+      </p:grpSpPr>
+      <p:sp>
+        <p:nvSpPr>
+          <p:cNvPr id="2" name="Marcador de Posição da Imagem do Diapositivo 1"/>
+          <p:cNvSpPr>
+            <a:spLocks noGrp="1" noRot="1" noChangeAspect="1"/>
+          </p:cNvSpPr>
+          <p:nvPr>
+            <p:ph type="sldImg"/>
+          </p:nvPr>
+        </p:nvSpPr>
+        <p:spPr/>
+      </p:sp>
+      <p:sp>
+        <p:nvSpPr>
+          <p:cNvPr id="3" name="Marcador de Posição de Notas 2"/>
+          <p:cNvSpPr>
+            <a:spLocks noGrp="1"/>
+          </p:cNvSpPr>
+          <p:nvPr>
+            <p:ph type="body" idx="1"/>
+          </p:nvPr>
+        </p:nvSpPr>
+        <p:spPr/>
+        <p:txBody>
+          <a:bodyPr/>
+          <a:lstStyle/>
+          <a:p>
+            <a:r>
+              <a:rPr lang="en-GB" dirty="0"/>
+              <a:t>Tal </a:t>
+            </a:r>
+            <a:r>
+              <a:rPr lang="en-GB" dirty="0" err="1"/>
+              <a:t>como</a:t>
+            </a:r>
+            <a:r>
+              <a:rPr lang="en-GB" dirty="0"/>
+              <a:t> </a:t>
+            </a:r>
+            <a:r>
+              <a:rPr lang="en-GB" dirty="0" err="1"/>
+              <a:t>foi</a:t>
+            </a:r>
+            <a:r>
+              <a:rPr lang="en-GB" dirty="0"/>
+              <a:t> </a:t>
+            </a:r>
+            <a:r>
+              <a:rPr lang="en-GB" dirty="0" err="1"/>
+              <a:t>dito</a:t>
+            </a:r>
+            <a:r>
+              <a:rPr lang="en-GB" dirty="0"/>
+              <a:t>, o </a:t>
+            </a:r>
+            <a:r>
+              <a:rPr lang="en-GB" dirty="0" err="1"/>
+              <a:t>nosso</a:t>
+            </a:r>
+            <a:r>
+              <a:rPr lang="en-GB" dirty="0"/>
+              <a:t> </a:t>
+            </a:r>
+            <a:r>
+              <a:rPr lang="en-GB" dirty="0" err="1"/>
+              <a:t>objetivo</a:t>
+            </a:r>
+            <a:r>
+              <a:rPr lang="en-GB" dirty="0"/>
+              <a:t> é </a:t>
+            </a:r>
+            <a:r>
+              <a:rPr lang="en-GB" dirty="0" err="1"/>
+              <a:t>minimizar</a:t>
+            </a:r>
+            <a:r>
+              <a:rPr lang="en-GB" dirty="0"/>
+              <a:t> </a:t>
+            </a:r>
+            <a:r>
+              <a:rPr lang="en-GB" dirty="0" err="1"/>
+              <a:t>os</a:t>
+            </a:r>
+            <a:r>
+              <a:rPr lang="en-GB" dirty="0"/>
+              <a:t> custos, no </a:t>
+            </a:r>
+            <a:r>
+              <a:rPr lang="en-GB" dirty="0" err="1"/>
+              <a:t>entanto</a:t>
+            </a:r>
+            <a:r>
+              <a:rPr lang="en-GB" dirty="0"/>
+              <a:t>, o </a:t>
+            </a:r>
+            <a:r>
+              <a:rPr lang="en-GB" dirty="0" err="1"/>
+              <a:t>problema</a:t>
+            </a:r>
+            <a:r>
+              <a:rPr lang="en-GB" dirty="0"/>
+              <a:t> </a:t>
+            </a:r>
+            <a:r>
+              <a:rPr lang="en-GB" dirty="0" err="1"/>
+              <a:t>foi</a:t>
+            </a:r>
+            <a:r>
+              <a:rPr lang="en-GB" dirty="0"/>
+              <a:t> </a:t>
+            </a:r>
+            <a:r>
+              <a:rPr lang="en-GB" dirty="0" err="1"/>
+              <a:t>simplificado</a:t>
+            </a:r>
+            <a:r>
+              <a:rPr lang="en-GB" dirty="0"/>
+              <a:t> </a:t>
+            </a:r>
+            <a:r>
+              <a:rPr lang="en-GB" dirty="0" err="1"/>
+              <a:t>considerando</a:t>
+            </a:r>
+            <a:r>
+              <a:rPr lang="en-GB" dirty="0"/>
+              <a:t> o </a:t>
+            </a:r>
+            <a:r>
+              <a:rPr lang="en-GB" dirty="0" err="1"/>
+              <a:t>custo</a:t>
+            </a:r>
+            <a:r>
+              <a:rPr lang="en-GB" dirty="0"/>
+              <a:t> </a:t>
+            </a:r>
+            <a:r>
+              <a:rPr lang="en-GB" dirty="0" err="1"/>
+              <a:t>fixo</a:t>
+            </a:r>
+            <a:r>
+              <a:rPr lang="en-GB" dirty="0"/>
+              <a:t> </a:t>
+            </a:r>
+            <a:r>
+              <a:rPr lang="en-GB" dirty="0" err="1"/>
+              <a:t>ao</a:t>
+            </a:r>
+            <a:r>
+              <a:rPr lang="en-GB" dirty="0"/>
+              <a:t> </a:t>
+            </a:r>
+            <a:r>
+              <a:rPr lang="en-GB" dirty="0" err="1"/>
+              <a:t>longo</a:t>
+            </a:r>
+            <a:r>
+              <a:rPr lang="en-GB" dirty="0"/>
+              <a:t> do tempo. Esta </a:t>
+            </a:r>
+            <a:r>
+              <a:rPr lang="en-GB" dirty="0" err="1"/>
+              <a:t>simplificação</a:t>
+            </a:r>
+            <a:r>
+              <a:rPr lang="en-GB" dirty="0"/>
+              <a:t> </a:t>
+            </a:r>
+            <a:r>
+              <a:rPr lang="en-GB" dirty="0" err="1"/>
+              <a:t>garante</a:t>
+            </a:r>
+            <a:r>
+              <a:rPr lang="en-GB" dirty="0"/>
+              <a:t> que o </a:t>
+            </a:r>
+            <a:r>
+              <a:rPr lang="en-GB" dirty="0" err="1"/>
+              <a:t>custo</a:t>
+            </a:r>
+            <a:r>
+              <a:rPr lang="en-GB" dirty="0"/>
+              <a:t> é </a:t>
+            </a:r>
+            <a:r>
+              <a:rPr lang="en-GB" dirty="0" err="1"/>
+              <a:t>uma</a:t>
+            </a:r>
+            <a:r>
+              <a:rPr lang="en-GB" dirty="0"/>
+              <a:t> </a:t>
+            </a:r>
+            <a:r>
+              <a:rPr lang="en-GB" dirty="0" err="1"/>
+              <a:t>função</a:t>
+            </a:r>
+            <a:r>
+              <a:rPr lang="en-GB" dirty="0"/>
+              <a:t> linear e o </a:t>
+            </a:r>
+            <a:r>
+              <a:rPr lang="en-GB" dirty="0" err="1"/>
+              <a:t>objetivo</a:t>
+            </a:r>
+            <a:r>
+              <a:rPr lang="en-GB" dirty="0"/>
+              <a:t> </a:t>
+            </a:r>
+            <a:r>
+              <a:rPr lang="en-GB" dirty="0" err="1"/>
+              <a:t>passa</a:t>
+            </a:r>
+            <a:r>
+              <a:rPr lang="en-GB" dirty="0"/>
+              <a:t> a ser </a:t>
+            </a:r>
+            <a:r>
+              <a:rPr lang="en-GB" dirty="0" err="1"/>
+              <a:t>minimizar</a:t>
+            </a:r>
+            <a:r>
+              <a:rPr lang="en-GB" dirty="0"/>
+              <a:t> o </a:t>
+            </a:r>
+            <a:r>
+              <a:rPr lang="en-GB" dirty="0" err="1"/>
+              <a:t>consumo</a:t>
+            </a:r>
+            <a:r>
+              <a:rPr lang="en-GB" dirty="0"/>
+              <a:t> </a:t>
+            </a:r>
+            <a:r>
+              <a:rPr lang="en-GB" dirty="0" err="1"/>
+              <a:t>energético</a:t>
+            </a:r>
+            <a:r>
+              <a:rPr lang="en-GB" dirty="0"/>
+              <a:t> </a:t>
+            </a:r>
+            <a:r>
+              <a:rPr lang="en-GB" dirty="0" err="1"/>
+              <a:t>não</a:t>
+            </a:r>
+            <a:r>
+              <a:rPr lang="en-GB" dirty="0"/>
+              <a:t> </a:t>
+            </a:r>
+            <a:r>
+              <a:rPr lang="en-GB" dirty="0" err="1"/>
+              <a:t>renovavel</a:t>
+            </a:r>
+            <a:r>
+              <a:rPr lang="en-GB" dirty="0"/>
+              <a:t>. </a:t>
+            </a:r>
+          </a:p>
+          <a:p>
+            <a:br>
+              <a:rPr lang="en-GB" dirty="0"/>
+            </a:br>
+            <a:r>
+              <a:rPr lang="en-GB" dirty="0"/>
+              <a:t>Para resolver </a:t>
+            </a:r>
+            <a:r>
+              <a:rPr lang="en-GB" dirty="0" err="1"/>
+              <a:t>este</a:t>
+            </a:r>
+            <a:r>
+              <a:rPr lang="en-GB" dirty="0"/>
+              <a:t> </a:t>
+            </a:r>
+            <a:r>
+              <a:rPr lang="en-GB" dirty="0" err="1"/>
+              <a:t>problema</a:t>
+            </a:r>
+            <a:r>
+              <a:rPr lang="en-GB" dirty="0"/>
+              <a:t> </a:t>
+            </a:r>
+            <a:r>
+              <a:rPr lang="en-GB" dirty="0" err="1"/>
+              <a:t>foram</a:t>
+            </a:r>
+            <a:r>
+              <a:rPr lang="en-GB" dirty="0"/>
+              <a:t> </a:t>
+            </a:r>
+            <a:r>
+              <a:rPr lang="en-GB" dirty="0" err="1"/>
+              <a:t>criadas</a:t>
+            </a:r>
+            <a:r>
+              <a:rPr lang="en-GB" dirty="0"/>
+              <a:t> </a:t>
+            </a:r>
+            <a:r>
+              <a:rPr lang="en-GB" dirty="0" err="1"/>
+              <a:t>várias</a:t>
+            </a:r>
+            <a:r>
+              <a:rPr lang="en-GB" dirty="0"/>
+              <a:t> constraints, as quais </a:t>
+            </a:r>
+            <a:r>
+              <a:rPr lang="en-GB" dirty="0" err="1"/>
+              <a:t>passamos</a:t>
+            </a:r>
+            <a:r>
+              <a:rPr lang="en-GB" dirty="0"/>
+              <a:t> a </a:t>
+            </a:r>
+            <a:r>
+              <a:rPr lang="en-GB" dirty="0" err="1"/>
+              <a:t>explicar</a:t>
+            </a:r>
+            <a:r>
+              <a:rPr lang="en-GB" dirty="0"/>
+              <a:t>:</a:t>
+            </a:r>
+            <a:br>
+              <a:rPr lang="en-GB" dirty="0"/>
+            </a:br>
+            <a:endParaRPr lang="en-GB" dirty="0"/>
+          </a:p>
+          <a:p>
+            <a:r>
+              <a:rPr lang="en-GB" dirty="0" err="1"/>
+              <a:t>Balanço</a:t>
+            </a:r>
+            <a:r>
+              <a:rPr lang="en-GB" dirty="0"/>
+              <a:t> </a:t>
+            </a:r>
+            <a:r>
+              <a:rPr lang="pt-PT" noProof="0" dirty="0" err="1"/>
+              <a:t>enegético</a:t>
+            </a:r>
+            <a:r>
+              <a:rPr lang="pt-PT" noProof="0" dirty="0"/>
+              <a:t>, garante que o valor energético </a:t>
+            </a:r>
+            <a:r>
+              <a:rPr lang="pt-PT" noProof="0" dirty="0" err="1"/>
+              <a:t>disponivel</a:t>
+            </a:r>
+            <a:r>
+              <a:rPr lang="pt-PT" noProof="0" dirty="0"/>
+              <a:t> na bateria é atualizado corretamente ao logo do tempo. As simplificações: Em vez de múltiplas baterias, consideramos apenas uma com eficiências de carga e descarga constante, e sem degradação ao longo do tempo. Com isto evitamos um elevado grau de complexidade do problema e também asseguramos a linearidade do mesmo.</a:t>
+            </a:r>
+          </a:p>
+          <a:p>
+            <a:endParaRPr lang="pt-PT" noProof="0" dirty="0"/>
+          </a:p>
+          <a:p>
+            <a:r>
+              <a:rPr lang="pt-PT" noProof="0" dirty="0" err="1"/>
+              <a:t>Battery</a:t>
+            </a:r>
+            <a:r>
+              <a:rPr lang="pt-PT" noProof="0" dirty="0"/>
+              <a:t> </a:t>
+            </a:r>
+            <a:r>
+              <a:rPr lang="pt-PT" noProof="0" dirty="0" err="1"/>
+              <a:t>Limits</a:t>
+            </a:r>
+            <a:r>
+              <a:rPr lang="pt-PT" noProof="0" dirty="0"/>
+              <a:t> – Assegura que os limites da bateria são cumpridos.</a:t>
+            </a:r>
+            <a:endParaRPr lang="en-GB" dirty="0"/>
+          </a:p>
+        </p:txBody>
+      </p:sp>
+      <p:sp>
+        <p:nvSpPr>
+          <p:cNvPr id="4" name="Marcador de Posição do Número do Diapositivo 3"/>
+          <p:cNvSpPr>
+            <a:spLocks noGrp="1"/>
+          </p:cNvSpPr>
+          <p:nvPr>
+            <p:ph type="sldNum" sz="quarter" idx="5"/>
+          </p:nvPr>
+        </p:nvSpPr>
+        <p:spPr/>
+        <p:txBody>
+          <a:bodyPr/>
+          <a:lstStyle/>
+          <a:p>
+            <a:fld id="{25E5AD14-E64D-4308-8E49-C69BC1C2C615}" type="slidenum">
+              <a:rPr lang="en-GB" smtClean="0"/>
+              <a:t>3</a:t>
+            </a:fld>
+            <a:endParaRPr lang="en-GB"/>
+          </a:p>
+        </p:txBody>
+      </p:sp>
+    </p:spTree>
+    <p:extLst>
+      <p:ext uri="{BB962C8B-B14F-4D97-AF65-F5344CB8AC3E}">
+        <p14:creationId xmlns:p14="http://schemas.microsoft.com/office/powerpoint/2010/main" val="2618788983"/>
+      </p:ext>
+    </p:extLst>
+  </p:cSld>
+  <p:clrMapOvr>
+    <a:masterClrMapping/>
+  </p:clrMapOvr>
+</p:notes>
+</file>
+
+<file path=ppt/notesSlides/notesSlide3.xml><?xml version="1.0" encoding="utf-8"?>
+<p:notes xmlns:a="http://schemas.openxmlformats.org/drawingml/2006/main" xmlns:r="http://schemas.openxmlformats.org/officeDocument/2006/relationships" xmlns:p="http://schemas.openxmlformats.org/presentationml/2006/main">
+  <p:cSld>
+    <p:spTree>
+      <p:nvGrpSpPr>
+        <p:cNvPr id="1" name=""/>
+        <p:cNvGrpSpPr/>
+        <p:nvPr/>
+      </p:nvGrpSpPr>
+      <p:grpSpPr>
+        <a:xfrm>
+          <a:off x="0" y="0"/>
+          <a:ext cx="0" cy="0"/>
+          <a:chOff x="0" y="0"/>
+          <a:chExt cx="0" cy="0"/>
+        </a:xfrm>
+      </p:grpSpPr>
+      <p:sp>
+        <p:nvSpPr>
+          <p:cNvPr id="2" name="Marcador de Posição da Imagem do Diapositivo 1"/>
+          <p:cNvSpPr>
+            <a:spLocks noGrp="1" noRot="1" noChangeAspect="1"/>
+          </p:cNvSpPr>
+          <p:nvPr>
+            <p:ph type="sldImg"/>
+          </p:nvPr>
+        </p:nvSpPr>
+        <p:spPr/>
+      </p:sp>
+      <p:sp>
+        <p:nvSpPr>
+          <p:cNvPr id="3" name="Marcador de Posição de Notas 2"/>
+          <p:cNvSpPr>
+            <a:spLocks noGrp="1"/>
+          </p:cNvSpPr>
+          <p:nvPr>
+            <p:ph type="body" idx="1"/>
+          </p:nvPr>
+        </p:nvSpPr>
+        <p:spPr/>
+        <p:txBody>
+          <a:bodyPr/>
+          <a:lstStyle/>
+          <a:p>
+            <a:r>
+              <a:rPr lang="pt-PT" dirty="0" err="1"/>
+              <a:t>Grid</a:t>
+            </a:r>
+            <a:r>
+              <a:rPr lang="pt-PT" dirty="0"/>
+              <a:t> </a:t>
+            </a:r>
+            <a:r>
+              <a:rPr lang="pt-PT" dirty="0" err="1"/>
+              <a:t>Sufficiency</a:t>
+            </a:r>
+            <a:r>
+              <a:rPr lang="pt-PT" dirty="0"/>
+              <a:t> </a:t>
+            </a:r>
+            <a:r>
+              <a:rPr lang="pt-PT" dirty="0" err="1"/>
+              <a:t>Constraint</a:t>
+            </a:r>
+            <a:r>
+              <a:rPr lang="pt-PT" dirty="0"/>
+              <a:t> – Nos </a:t>
+            </a:r>
+            <a:r>
+              <a:rPr lang="en-US" sz="1800" b="0" i="0" u="none" strike="noStrike" baseline="0" dirty="0" err="1">
+                <a:solidFill>
+                  <a:srgbClr val="000000"/>
+                </a:solidFill>
+                <a:latin typeface="Aptos" panose="020B0004020202020204" pitchFamily="34" charset="0"/>
+              </a:rPr>
+              <a:t>casos</a:t>
+            </a:r>
+            <a:r>
+              <a:rPr lang="en-US" sz="1800" b="0" i="0" u="none" strike="noStrike" baseline="0" dirty="0">
+                <a:solidFill>
+                  <a:srgbClr val="000000"/>
+                </a:solidFill>
+                <a:latin typeface="Aptos" panose="020B0004020202020204" pitchFamily="34" charset="0"/>
+              </a:rPr>
+              <a:t> </a:t>
+            </a:r>
+            <a:r>
+              <a:rPr lang="en-US" sz="1800" b="0" i="0" u="none" strike="noStrike" baseline="0" dirty="0" err="1">
+                <a:solidFill>
+                  <a:srgbClr val="000000"/>
+                </a:solidFill>
+                <a:latin typeface="Aptos" panose="020B0004020202020204" pitchFamily="34" charset="0"/>
+              </a:rPr>
+              <a:t>em</a:t>
+            </a:r>
+            <a:r>
+              <a:rPr lang="en-US" sz="1800" b="0" i="0" u="none" strike="noStrike" baseline="0" dirty="0">
+                <a:solidFill>
+                  <a:srgbClr val="000000"/>
+                </a:solidFill>
+                <a:latin typeface="Aptos" panose="020B0004020202020204" pitchFamily="34" charset="0"/>
+              </a:rPr>
+              <a:t> que a renewable energy </a:t>
+            </a:r>
+            <a:r>
+              <a:rPr lang="en-US" sz="1800" b="0" i="0" u="none" strike="noStrike" baseline="0" dirty="0" err="1">
+                <a:solidFill>
+                  <a:srgbClr val="000000"/>
+                </a:solidFill>
+                <a:latin typeface="Aptos" panose="020B0004020202020204" pitchFamily="34" charset="0"/>
+              </a:rPr>
+              <a:t>não</a:t>
+            </a:r>
+            <a:r>
+              <a:rPr lang="en-US" sz="1800" b="0" i="0" u="none" strike="noStrike" baseline="0" dirty="0">
+                <a:solidFill>
+                  <a:srgbClr val="000000"/>
+                </a:solidFill>
+                <a:latin typeface="Aptos" panose="020B0004020202020204" pitchFamily="34" charset="0"/>
+              </a:rPr>
+              <a:t> é </a:t>
+            </a:r>
+            <a:r>
+              <a:rPr lang="en-US" sz="1800" b="0" i="0" u="none" strike="noStrike" baseline="0" dirty="0" err="1">
+                <a:solidFill>
+                  <a:srgbClr val="000000"/>
+                </a:solidFill>
+                <a:latin typeface="Aptos" panose="020B0004020202020204" pitchFamily="34" charset="0"/>
+              </a:rPr>
+              <a:t>suficiente</a:t>
+            </a:r>
+            <a:r>
+              <a:rPr lang="en-US" sz="1800" b="0" i="0" u="none" strike="noStrike" baseline="0" dirty="0">
+                <a:solidFill>
+                  <a:srgbClr val="000000"/>
+                </a:solidFill>
+                <a:latin typeface="Aptos" panose="020B0004020202020204" pitchFamily="34" charset="0"/>
+              </a:rPr>
+              <a:t>, </a:t>
+            </a:r>
+            <a:r>
+              <a:rPr lang="en-US" sz="1800" b="0" i="0" u="none" strike="noStrike" baseline="0" dirty="0" err="1">
+                <a:solidFill>
+                  <a:srgbClr val="000000"/>
+                </a:solidFill>
+                <a:latin typeface="Aptos" panose="020B0004020202020204" pitchFamily="34" charset="0"/>
+              </a:rPr>
+              <a:t>garante</a:t>
+            </a:r>
+            <a:r>
+              <a:rPr lang="en-US" sz="1800" b="0" i="0" u="none" strike="noStrike" baseline="0" dirty="0">
+                <a:solidFill>
+                  <a:srgbClr val="000000"/>
+                </a:solidFill>
+                <a:latin typeface="Aptos" panose="020B0004020202020204" pitchFamily="34" charset="0"/>
+              </a:rPr>
+              <a:t> que a demand é </a:t>
+            </a:r>
+            <a:r>
+              <a:rPr lang="en-US" sz="1800" b="0" i="0" u="none" strike="noStrike" baseline="0" dirty="0" err="1">
+                <a:solidFill>
+                  <a:srgbClr val="000000"/>
+                </a:solidFill>
+                <a:latin typeface="Aptos" panose="020B0004020202020204" pitchFamily="34" charset="0"/>
+              </a:rPr>
+              <a:t>assegurada</a:t>
+            </a:r>
+            <a:r>
+              <a:rPr lang="en-US" sz="1800" b="0" i="0" u="none" strike="noStrike" baseline="0" dirty="0">
+                <a:solidFill>
+                  <a:srgbClr val="000000"/>
+                </a:solidFill>
+                <a:latin typeface="Aptos" panose="020B0004020202020204" pitchFamily="34" charset="0"/>
+              </a:rPr>
+              <a:t>.</a:t>
+            </a:r>
+          </a:p>
+          <a:p>
+            <a:r>
+              <a:rPr lang="en-US" sz="1800" b="0" i="0" u="none" strike="noStrike" baseline="0" dirty="0">
+                <a:solidFill>
+                  <a:srgbClr val="000000"/>
+                </a:solidFill>
+                <a:latin typeface="Aptos" panose="020B0004020202020204" pitchFamily="34" charset="0"/>
+              </a:rPr>
+              <a:t>Aggregation of Producers and Consumers → Instead of modelling each household or generator separately, we aggregate all consumers and all producers reducing the number of constraints. </a:t>
+            </a:r>
+          </a:p>
+          <a:p>
+            <a:endParaRPr lang="en-US" sz="1800" b="0" i="0" u="none" strike="noStrike" baseline="0" dirty="0">
+              <a:solidFill>
+                <a:srgbClr val="000000"/>
+              </a:solidFill>
+              <a:latin typeface="Aptos" panose="020B0004020202020204" pitchFamily="34" charset="0"/>
+            </a:endParaRPr>
+          </a:p>
+          <a:p>
+            <a:r>
+              <a:rPr lang="en-US" sz="1800" b="0" i="0" u="none" strike="noStrike" baseline="0" dirty="0">
+                <a:solidFill>
+                  <a:srgbClr val="000000"/>
+                </a:solidFill>
+                <a:latin typeface="Aptos" panose="020B0004020202020204" pitchFamily="34" charset="0"/>
+              </a:rPr>
+              <a:t>Power balance  Constraint – </a:t>
+            </a:r>
+            <a:r>
+              <a:rPr lang="en-US" sz="1800" b="0" i="0" u="none" strike="noStrike" baseline="0" dirty="0" err="1">
+                <a:solidFill>
+                  <a:srgbClr val="000000"/>
+                </a:solidFill>
+                <a:latin typeface="Aptos" panose="020B0004020202020204" pitchFamily="34" charset="0"/>
+              </a:rPr>
+              <a:t>Garante</a:t>
+            </a:r>
+            <a:r>
+              <a:rPr lang="en-US" sz="1800" b="0" i="0" u="none" strike="noStrike" baseline="0" dirty="0">
+                <a:solidFill>
+                  <a:srgbClr val="000000"/>
+                </a:solidFill>
+                <a:latin typeface="Aptos" panose="020B0004020202020204" pitchFamily="34" charset="0"/>
+              </a:rPr>
+              <a:t> que o supply de </a:t>
+            </a:r>
+            <a:r>
+              <a:rPr lang="en-US" sz="1800" b="0" i="0" u="none" strike="noStrike" baseline="0" dirty="0" err="1">
+                <a:solidFill>
+                  <a:srgbClr val="000000"/>
+                </a:solidFill>
+                <a:latin typeface="Aptos" panose="020B0004020202020204" pitchFamily="34" charset="0"/>
+              </a:rPr>
+              <a:t>energia</a:t>
+            </a:r>
+            <a:r>
+              <a:rPr lang="en-US" sz="1800" b="0" i="0" u="none" strike="noStrike" baseline="0" dirty="0">
+                <a:solidFill>
+                  <a:srgbClr val="000000"/>
+                </a:solidFill>
+                <a:latin typeface="Aptos" panose="020B0004020202020204" pitchFamily="34" charset="0"/>
+              </a:rPr>
+              <a:t> é sempre </a:t>
+            </a:r>
+            <a:r>
+              <a:rPr lang="en-US" sz="1800" b="0" i="0" u="none" strike="noStrike" baseline="0" dirty="0" err="1">
+                <a:solidFill>
+                  <a:srgbClr val="000000"/>
+                </a:solidFill>
+                <a:latin typeface="Aptos" panose="020B0004020202020204" pitchFamily="34" charset="0"/>
+              </a:rPr>
+              <a:t>maior</a:t>
+            </a:r>
+            <a:r>
+              <a:rPr lang="en-US" sz="1800" b="0" i="0" u="none" strike="noStrike" baseline="0" dirty="0">
+                <a:solidFill>
+                  <a:srgbClr val="000000"/>
+                </a:solidFill>
+                <a:latin typeface="Aptos" panose="020B0004020202020204" pitchFamily="34" charset="0"/>
+              </a:rPr>
+              <a:t> que o demand, </a:t>
+            </a:r>
+            <a:r>
+              <a:rPr lang="en-US" sz="1800" b="0" i="0" u="none" strike="noStrike" baseline="0" dirty="0" err="1">
+                <a:solidFill>
+                  <a:srgbClr val="000000"/>
+                </a:solidFill>
+                <a:latin typeface="Aptos" panose="020B0004020202020204" pitchFamily="34" charset="0"/>
+              </a:rPr>
+              <a:t>garantindo</a:t>
+            </a:r>
+            <a:r>
+              <a:rPr lang="en-US" sz="1800" b="0" i="0" u="none" strike="noStrike" baseline="0" dirty="0">
+                <a:solidFill>
+                  <a:srgbClr val="000000"/>
+                </a:solidFill>
+                <a:latin typeface="Aptos" panose="020B0004020202020204" pitchFamily="34" charset="0"/>
+              </a:rPr>
+              <a:t> que </a:t>
+            </a:r>
+            <a:r>
+              <a:rPr lang="en-US" sz="1800" b="0" i="0" u="none" strike="noStrike" baseline="0" dirty="0" err="1">
+                <a:solidFill>
+                  <a:srgbClr val="000000"/>
+                </a:solidFill>
+                <a:latin typeface="Aptos" panose="020B0004020202020204" pitchFamily="34" charset="0"/>
+              </a:rPr>
+              <a:t>existe</a:t>
+            </a:r>
+            <a:r>
+              <a:rPr lang="en-US" sz="1800" b="0" i="0" u="none" strike="noStrike" baseline="0" dirty="0">
+                <a:solidFill>
+                  <a:srgbClr val="000000"/>
+                </a:solidFill>
+                <a:latin typeface="Aptos" panose="020B0004020202020204" pitchFamily="34" charset="0"/>
+              </a:rPr>
+              <a:t> </a:t>
+            </a:r>
+            <a:r>
+              <a:rPr lang="en-US" sz="1800" b="0" i="0" u="none" strike="noStrike" baseline="0" dirty="0" err="1">
+                <a:solidFill>
+                  <a:srgbClr val="000000"/>
+                </a:solidFill>
+                <a:latin typeface="Aptos" panose="020B0004020202020204" pitchFamily="34" charset="0"/>
+              </a:rPr>
+              <a:t>equilibrio</a:t>
+            </a:r>
+            <a:r>
+              <a:rPr lang="en-US" sz="1800" b="0" i="0" u="none" strike="noStrike" baseline="0" dirty="0">
+                <a:solidFill>
+                  <a:srgbClr val="000000"/>
+                </a:solidFill>
+                <a:latin typeface="Aptos" panose="020B0004020202020204" pitchFamily="34" charset="0"/>
+              </a:rPr>
+              <a:t> de </a:t>
+            </a:r>
+            <a:r>
+              <a:rPr lang="en-US" sz="1800" b="0" i="0" u="none" strike="noStrike" baseline="0" dirty="0" err="1">
+                <a:solidFill>
+                  <a:srgbClr val="000000"/>
+                </a:solidFill>
+                <a:latin typeface="Aptos" panose="020B0004020202020204" pitchFamily="34" charset="0"/>
+              </a:rPr>
+              <a:t>energia</a:t>
+            </a:r>
+            <a:r>
+              <a:rPr lang="en-US" sz="1800" b="0" i="0" u="none" strike="noStrike" baseline="0" dirty="0">
+                <a:solidFill>
+                  <a:srgbClr val="000000"/>
+                </a:solidFill>
+                <a:latin typeface="Aptos" panose="020B0004020202020204" pitchFamily="34" charset="0"/>
+              </a:rPr>
+              <a:t> </a:t>
+            </a:r>
+            <a:r>
+              <a:rPr lang="en-US" sz="1800" b="0" i="0" u="none" strike="noStrike" baseline="0" dirty="0" err="1">
+                <a:solidFill>
+                  <a:srgbClr val="000000"/>
+                </a:solidFill>
+                <a:latin typeface="Aptos" panose="020B0004020202020204" pitchFamily="34" charset="0"/>
+              </a:rPr>
+              <a:t>na</a:t>
+            </a:r>
+            <a:r>
+              <a:rPr lang="en-US" sz="1800" b="0" i="0" u="none" strike="noStrike" baseline="0" dirty="0">
+                <a:solidFill>
+                  <a:srgbClr val="000000"/>
+                </a:solidFill>
+                <a:latin typeface="Aptos" panose="020B0004020202020204" pitchFamily="34" charset="0"/>
+              </a:rPr>
+              <a:t> rede.</a:t>
+            </a:r>
+          </a:p>
+          <a:p>
+            <a:r>
+              <a:rPr lang="en-US" sz="1800" b="0" i="0" u="none" strike="noStrike" baseline="0" dirty="0">
+                <a:solidFill>
+                  <a:srgbClr val="000000"/>
+                </a:solidFill>
+                <a:latin typeface="Aptos" panose="020B0004020202020204" pitchFamily="34" charset="0"/>
+              </a:rPr>
+              <a:t>	</a:t>
+            </a:r>
+            <a:r>
+              <a:rPr lang="pt-PT" sz="1800" b="0" i="0" u="none" strike="noStrike" baseline="0" dirty="0">
+                <a:solidFill>
+                  <a:srgbClr val="000000"/>
+                </a:solidFill>
+                <a:latin typeface="Aptos" panose="020B0004020202020204" pitchFamily="34" charset="0"/>
+              </a:rPr>
+              <a:t>Linear </a:t>
+            </a:r>
+            <a:r>
+              <a:rPr lang="pt-PT" sz="1800" b="0" i="0" u="none" strike="noStrike" baseline="0" dirty="0" err="1">
+                <a:solidFill>
+                  <a:srgbClr val="000000"/>
+                </a:solidFill>
+                <a:latin typeface="Aptos" panose="020B0004020202020204" pitchFamily="34" charset="0"/>
+              </a:rPr>
+              <a:t>Power</a:t>
+            </a:r>
+            <a:r>
+              <a:rPr lang="pt-PT" sz="1800" b="0" i="0" u="none" strike="noStrike" baseline="0" dirty="0">
+                <a:solidFill>
+                  <a:srgbClr val="000000"/>
+                </a:solidFill>
+                <a:latin typeface="Aptos" panose="020B0004020202020204" pitchFamily="34" charset="0"/>
+              </a:rPr>
+              <a:t> </a:t>
+            </a:r>
+            <a:r>
+              <a:rPr lang="pt-PT" sz="1800" b="0" i="0" u="none" strike="noStrike" baseline="0" dirty="0" err="1">
+                <a:solidFill>
+                  <a:srgbClr val="000000"/>
+                </a:solidFill>
+                <a:latin typeface="Aptos" panose="020B0004020202020204" pitchFamily="34" charset="0"/>
+              </a:rPr>
+              <a:t>Flow</a:t>
+            </a:r>
+            <a:r>
+              <a:rPr lang="pt-PT" sz="1800" b="0" i="0" u="none" strike="noStrike" baseline="0" dirty="0">
+                <a:solidFill>
+                  <a:srgbClr val="000000"/>
+                </a:solidFill>
+                <a:latin typeface="Aptos" panose="020B0004020202020204" pitchFamily="34" charset="0"/>
+              </a:rPr>
+              <a:t> </a:t>
+            </a:r>
+            <a:r>
+              <a:rPr lang="pt-PT" sz="1800" b="0" i="0" u="none" strike="noStrike" baseline="0" dirty="0" err="1">
+                <a:solidFill>
+                  <a:srgbClr val="000000"/>
+                </a:solidFill>
+                <a:latin typeface="Aptos" panose="020B0004020202020204" pitchFamily="34" charset="0"/>
+              </a:rPr>
+              <a:t>Model</a:t>
+            </a:r>
+            <a:r>
+              <a:rPr lang="pt-PT" sz="1800" b="0" i="0" u="none" strike="noStrike" baseline="0" dirty="0">
+                <a:solidFill>
+                  <a:srgbClr val="000000"/>
+                </a:solidFill>
+                <a:latin typeface="Aptos" panose="020B0004020202020204" pitchFamily="34" charset="0"/>
+              </a:rPr>
+              <a:t> </a:t>
+            </a:r>
+            <a:r>
+              <a:rPr lang="en-US" sz="1800" b="0" i="0" u="none" strike="noStrike" baseline="0" dirty="0">
+                <a:solidFill>
+                  <a:srgbClr val="000000"/>
+                </a:solidFill>
+                <a:latin typeface="Aptos" panose="020B0004020202020204" pitchFamily="34" charset="0"/>
+              </a:rPr>
+              <a:t> e  </a:t>
+            </a:r>
+            <a:r>
+              <a:rPr lang="pt-PT" sz="1800" b="0" i="0" u="none" strike="noStrike" baseline="0" dirty="0">
+                <a:solidFill>
+                  <a:srgbClr val="000000"/>
+                </a:solidFill>
+                <a:latin typeface="Aptos" panose="020B0004020202020204" pitchFamily="34" charset="0"/>
+              </a:rPr>
+              <a:t>No </a:t>
+            </a:r>
+            <a:r>
+              <a:rPr lang="pt-PT" sz="1800" b="0" i="0" u="none" strike="noStrike" baseline="0" dirty="0" err="1">
+                <a:solidFill>
+                  <a:srgbClr val="000000"/>
+                </a:solidFill>
+                <a:latin typeface="Aptos" panose="020B0004020202020204" pitchFamily="34" charset="0"/>
+              </a:rPr>
+              <a:t>Transmission</a:t>
+            </a:r>
+            <a:r>
+              <a:rPr lang="pt-PT" sz="1800" b="0" i="0" u="none" strike="noStrike" baseline="0" dirty="0">
+                <a:solidFill>
+                  <a:srgbClr val="000000"/>
+                </a:solidFill>
+                <a:latin typeface="Aptos" panose="020B0004020202020204" pitchFamily="34" charset="0"/>
+              </a:rPr>
+              <a:t> </a:t>
+            </a:r>
+            <a:r>
+              <a:rPr lang="pt-PT" sz="1800" b="0" i="0" u="none" strike="noStrike" baseline="0" dirty="0" err="1">
+                <a:solidFill>
+                  <a:srgbClr val="000000"/>
+                </a:solidFill>
+                <a:latin typeface="Aptos" panose="020B0004020202020204" pitchFamily="34" charset="0"/>
+              </a:rPr>
+              <a:t>Losses</a:t>
+            </a:r>
+            <a:r>
+              <a:rPr lang="pt-PT" sz="1800" b="0" i="0" u="none" strike="noStrike" baseline="0" dirty="0">
+                <a:solidFill>
+                  <a:srgbClr val="000000"/>
+                </a:solidFill>
+                <a:latin typeface="Aptos" panose="020B0004020202020204" pitchFamily="34" charset="0"/>
+              </a:rPr>
+              <a:t> </a:t>
+            </a:r>
+            <a:endParaRPr lang="pt-PT" dirty="0"/>
+          </a:p>
+        </p:txBody>
+      </p:sp>
+      <p:sp>
+        <p:nvSpPr>
+          <p:cNvPr id="4" name="Marcador de Posição do Número do Diapositivo 3"/>
+          <p:cNvSpPr>
+            <a:spLocks noGrp="1"/>
+          </p:cNvSpPr>
+          <p:nvPr>
+            <p:ph type="sldNum" sz="quarter" idx="5"/>
+          </p:nvPr>
+        </p:nvSpPr>
+        <p:spPr/>
+        <p:txBody>
+          <a:bodyPr/>
+          <a:lstStyle/>
+          <a:p>
+            <a:fld id="{25E5AD14-E64D-4308-8E49-C69BC1C2C615}" type="slidenum">
+              <a:rPr lang="en-GB" smtClean="0"/>
+              <a:t>4</a:t>
+            </a:fld>
+            <a:endParaRPr lang="en-GB"/>
+          </a:p>
+        </p:txBody>
+      </p:sp>
+    </p:spTree>
+    <p:extLst>
+      <p:ext uri="{BB962C8B-B14F-4D97-AF65-F5344CB8AC3E}">
+        <p14:creationId xmlns:p14="http://schemas.microsoft.com/office/powerpoint/2010/main" val="3017032043"/>
+      </p:ext>
+    </p:extLst>
+  </p:cSld>
+  <p:clrMapOvr>
+    <a:masterClrMapping/>
+  </p:clrMapOvr>
+</p:notes>
+</file>
+
+<file path=ppt/notesSlides/notesSlide4.xml><?xml version="1.0" encoding="utf-8"?>
+<p:notes xmlns:a="http://schemas.openxmlformats.org/drawingml/2006/main" xmlns:r="http://schemas.openxmlformats.org/officeDocument/2006/relationships" xmlns:p="http://schemas.openxmlformats.org/presentationml/2006/main">
+  <p:cSld>
+    <p:spTree>
+      <p:nvGrpSpPr>
+        <p:cNvPr id="1" name=""/>
+        <p:cNvGrpSpPr/>
+        <p:nvPr/>
+      </p:nvGrpSpPr>
+      <p:grpSpPr>
+        <a:xfrm>
+          <a:off x="0" y="0"/>
+          <a:ext cx="0" cy="0"/>
+          <a:chOff x="0" y="0"/>
+          <a:chExt cx="0" cy="0"/>
+        </a:xfrm>
+      </p:grpSpPr>
+      <p:sp>
+        <p:nvSpPr>
+          <p:cNvPr id="2" name="Marcador de Posição da Imagem do Diapositivo 1"/>
+          <p:cNvSpPr>
+            <a:spLocks noGrp="1" noRot="1" noChangeAspect="1"/>
+          </p:cNvSpPr>
+          <p:nvPr>
+            <p:ph type="sldImg"/>
+          </p:nvPr>
+        </p:nvSpPr>
+        <p:spPr/>
+      </p:sp>
+      <p:sp>
+        <p:nvSpPr>
+          <p:cNvPr id="3" name="Marcador de Posição de Notas 2"/>
+          <p:cNvSpPr>
+            <a:spLocks noGrp="1"/>
+          </p:cNvSpPr>
+          <p:nvPr>
+            <p:ph type="body" idx="1"/>
+          </p:nvPr>
+        </p:nvSpPr>
+        <p:spPr/>
+        <p:txBody>
+          <a:bodyPr/>
+          <a:lstStyle/>
+          <a:p>
+            <a:r>
+              <a:rPr lang="pt-PT" dirty="0"/>
+              <a:t>Como podemos ver, observamos maioritariamente ciclos de descarga, o que faz sentido tento em conta o nosso problema. Conseguimos observar também que quando há mais energia produzida do que a consumida, esta energia é armazenada.</a:t>
+            </a:r>
+          </a:p>
+          <a:p>
+            <a:endParaRPr lang="pt-PT" dirty="0"/>
+          </a:p>
+          <a:p>
+            <a:r>
+              <a:rPr lang="pt-PT" dirty="0"/>
+              <a:t>Futuramente, ao introduzirmos preços dinâmicos, várias baterias, produtores e consumidores, degradação das baterias, entre outros, consideramos que os resultados esperador serão diferentes dos obtidos agora.</a:t>
+            </a:r>
+          </a:p>
+        </p:txBody>
+      </p:sp>
+      <p:sp>
+        <p:nvSpPr>
+          <p:cNvPr id="4" name="Marcador de Posição do Número do Diapositivo 3"/>
+          <p:cNvSpPr>
+            <a:spLocks noGrp="1"/>
+          </p:cNvSpPr>
+          <p:nvPr>
+            <p:ph type="sldNum" sz="quarter" idx="5"/>
+          </p:nvPr>
+        </p:nvSpPr>
+        <p:spPr/>
+        <p:txBody>
+          <a:bodyPr/>
+          <a:lstStyle/>
+          <a:p>
+            <a:fld id="{25E5AD14-E64D-4308-8E49-C69BC1C2C615}" type="slidenum">
+              <a:rPr lang="en-GB" smtClean="0"/>
+              <a:t>5</a:t>
+            </a:fld>
+            <a:endParaRPr lang="en-GB"/>
+          </a:p>
+        </p:txBody>
+      </p:sp>
+    </p:spTree>
+    <p:extLst>
+      <p:ext uri="{BB962C8B-B14F-4D97-AF65-F5344CB8AC3E}">
+        <p14:creationId xmlns:p14="http://schemas.microsoft.com/office/powerpoint/2010/main" val="2991670033"/>
+      </p:ext>
+    </p:extLst>
+  </p:cSld>
+  <p:clrMapOvr>
+    <a:masterClrMapping/>
+  </p:clrMapOvr>
+</p:notes>
+</file>
+
 <file path=ppt/slideLayouts/slideLayout1.xml><?xml version="1.0" encoding="utf-8"?>
 <p:sldLayout xmlns:a="http://schemas.openxmlformats.org/drawingml/2006/main" xmlns:r="http://schemas.openxmlformats.org/officeDocument/2006/relationships" xmlns:p="http://schemas.openxmlformats.org/presentationml/2006/main" showMasterSp="0" type="title" preserve="1">
   <p:cSld name="Diapositivo de Título">
@@ -519,7 +2264,7 @@
           <a:p>
             <a:fld id="{A7BCD7CF-2CDF-4BB5-AF29-22CAA7712BB0}" type="datetimeFigureOut">
               <a:rPr lang="en-GB" smtClean="0"/>
-              <a:t>13/03/2025</a:t>
+              <a:t>14/03/2025</a:t>
             </a:fld>
             <a:endParaRPr lang="en-GB"/>
           </a:p>
@@ -698,7 +2443,7 @@
           <a:p>
             <a:fld id="{A7BCD7CF-2CDF-4BB5-AF29-22CAA7712BB0}" type="datetimeFigureOut">
               <a:rPr lang="en-GB" smtClean="0"/>
-              <a:t>13/03/2025</a:t>
+              <a:t>14/03/2025</a:t>
             </a:fld>
             <a:endParaRPr lang="en-GB"/>
           </a:p>
@@ -878,7 +2623,7 @@
           <a:p>
             <a:fld id="{A7BCD7CF-2CDF-4BB5-AF29-22CAA7712BB0}" type="datetimeFigureOut">
               <a:rPr lang="en-GB" smtClean="0"/>
-              <a:t>13/03/2025</a:t>
+              <a:t>14/03/2025</a:t>
             </a:fld>
             <a:endParaRPr lang="en-GB"/>
           </a:p>
@@ -1048,7 +2793,7 @@
           <a:p>
             <a:fld id="{A7BCD7CF-2CDF-4BB5-AF29-22CAA7712BB0}" type="datetimeFigureOut">
               <a:rPr lang="en-GB" smtClean="0"/>
-              <a:t>13/03/2025</a:t>
+              <a:t>14/03/2025</a:t>
             </a:fld>
             <a:endParaRPr lang="en-GB"/>
           </a:p>
@@ -1361,7 +3106,7 @@
           <a:p>
             <a:fld id="{A7BCD7CF-2CDF-4BB5-AF29-22CAA7712BB0}" type="datetimeFigureOut">
               <a:rPr lang="en-GB" smtClean="0"/>
-              <a:t>13/03/2025</a:t>
+              <a:t>14/03/2025</a:t>
             </a:fld>
             <a:endParaRPr lang="en-GB"/>
           </a:p>
@@ -1747,7 +3492,7 @@
           <a:p>
             <a:fld id="{A7BCD7CF-2CDF-4BB5-AF29-22CAA7712BB0}" type="datetimeFigureOut">
               <a:rPr lang="en-GB" smtClean="0"/>
-              <a:t>13/03/2025</a:t>
+              <a:t>14/03/2025</a:t>
             </a:fld>
             <a:endParaRPr lang="en-GB"/>
           </a:p>
@@ -2181,7 +3926,7 @@
           <a:p>
             <a:fld id="{A7BCD7CF-2CDF-4BB5-AF29-22CAA7712BB0}" type="datetimeFigureOut">
               <a:rPr lang="en-GB" smtClean="0"/>
-              <a:t>13/03/2025</a:t>
+              <a:t>14/03/2025</a:t>
             </a:fld>
             <a:endParaRPr lang="en-GB"/>
           </a:p>
@@ -2299,7 +4044,7 @@
           <a:p>
             <a:fld id="{A7BCD7CF-2CDF-4BB5-AF29-22CAA7712BB0}" type="datetimeFigureOut">
               <a:rPr lang="en-GB" smtClean="0"/>
-              <a:t>13/03/2025</a:t>
+              <a:t>14/03/2025</a:t>
             </a:fld>
             <a:endParaRPr lang="en-GB"/>
           </a:p>
@@ -2394,7 +4139,7 @@
           <a:p>
             <a:fld id="{A7BCD7CF-2CDF-4BB5-AF29-22CAA7712BB0}" type="datetimeFigureOut">
               <a:rPr lang="en-GB" smtClean="0"/>
-              <a:t>13/03/2025</a:t>
+              <a:t>14/03/2025</a:t>
             </a:fld>
             <a:endParaRPr lang="en-GB"/>
           </a:p>
@@ -2744,7 +4489,7 @@
           <a:p>
             <a:fld id="{A7BCD7CF-2CDF-4BB5-AF29-22CAA7712BB0}" type="datetimeFigureOut">
               <a:rPr lang="en-GB" smtClean="0"/>
-              <a:t>13/03/2025</a:t>
+              <a:t>14/03/2025</a:t>
             </a:fld>
             <a:endParaRPr lang="en-GB"/>
           </a:p>
@@ -3169,7 +4914,7 @@
           <a:p>
             <a:fld id="{A7BCD7CF-2CDF-4BB5-AF29-22CAA7712BB0}" type="datetimeFigureOut">
               <a:rPr lang="en-GB" smtClean="0"/>
-              <a:t>13/03/2025</a:t>
+              <a:t>14/03/2025</a:t>
             </a:fld>
             <a:endParaRPr lang="en-GB"/>
           </a:p>
@@ -3450,7 +5195,7 @@
           <a:p>
             <a:fld id="{A7BCD7CF-2CDF-4BB5-AF29-22CAA7712BB0}" type="datetimeFigureOut">
               <a:rPr lang="en-GB" smtClean="0"/>
-              <a:t>13/03/2025</a:t>
+              <a:t>14/03/2025</a:t>
             </a:fld>
             <a:endParaRPr lang="en-GB"/>
           </a:p>
@@ -4053,21 +5798,28 @@
           <a:lstStyle/>
           <a:p>
             <a:br>
-              <a:rPr lang="en-GB" sz="5400" dirty="0"/>
+              <a:rPr lang="pt-PT" sz="4800" noProof="0" dirty="0"/>
             </a:br>
             <a:r>
-              <a:rPr lang="en-GB" sz="5400"/>
-              <a:t> </a:t>
-            </a:r>
-            <a:r>
-              <a:rPr lang="en-GB" sz="5400" dirty="0"/>
-              <a:t>Optimization </a:t>
-            </a:r>
-            <a:r>
-              <a:rPr lang="en-GB" sz="5400"/>
-              <a:t>&amp; Decision</a:t>
-            </a:r>
-            <a:endParaRPr lang="en-GB" sz="5400" dirty="0"/>
+              <a:rPr lang="pt-PT" sz="4800" noProof="0" dirty="0"/>
+              <a:t> </a:t>
+            </a:r>
+            <a:r>
+              <a:rPr lang="pt-PT" sz="4800" noProof="0" dirty="0" err="1"/>
+              <a:t>Optimization</a:t>
+            </a:r>
+            <a:r>
+              <a:rPr lang="pt-PT" sz="4800" noProof="0" dirty="0"/>
+              <a:t> &amp; </a:t>
+            </a:r>
+            <a:r>
+              <a:rPr lang="pt-PT" sz="4800" noProof="0" dirty="0" err="1"/>
+              <a:t>Decision</a:t>
+            </a:r>
+            <a:r>
+              <a:rPr lang="pt-PT" sz="4800" noProof="0" dirty="0"/>
+              <a:t> - 32</a:t>
+            </a:r>
           </a:p>
         </p:txBody>
       </p:sp>
@@ -4123,9 +5875,10 @@
           <a:lstStyle/>
           <a:p>
             <a:r>
-              <a:rPr lang="en-GB" dirty="0"/>
+              <a:rPr lang="pt-PT" noProof="0" dirty="0" err="1"/>
               <a:t>Introduction</a:t>
             </a:r>
+            <a:endParaRPr lang="pt-PT" noProof="0" dirty="0"/>
           </a:p>
         </p:txBody>
       </p:sp>
@@ -4154,11 +5907,15 @@
               <a:buNone/>
             </a:pPr>
             <a:r>
-              <a:rPr lang="en-US" b="1" dirty="0"/>
-              <a:t>Problem:</a:t>
-            </a:r>
-            <a:r>
-              <a:rPr lang="en-US" dirty="0"/>
+              <a:rPr lang="pt-PT" b="1" noProof="0" dirty="0" err="1"/>
+              <a:t>Problem</a:t>
+            </a:r>
+            <a:r>
+              <a:rPr lang="pt-PT" b="1" noProof="0" dirty="0"/>
+              <a:t>:</a:t>
+            </a:r>
+            <a:r>
+              <a:rPr lang="pt-PT" noProof="0" dirty="0"/>
               <a:t> </a:t>
             </a:r>
           </a:p>
@@ -4167,8 +5924,104 @@
               <a:buNone/>
             </a:pPr>
             <a:r>
-              <a:rPr lang="en-US" dirty="0"/>
-              <a:t>	Optimizing battery dispatch in a smart grid to minimize energy costs while ensuring demand is met.</a:t>
+              <a:rPr lang="pt-PT" noProof="0" dirty="0"/>
+              <a:t>	</a:t>
+            </a:r>
+            <a:r>
+              <a:rPr lang="pt-PT" noProof="0" dirty="0" err="1"/>
+              <a:t>Optimizing</a:t>
+            </a:r>
+            <a:r>
+              <a:rPr lang="pt-PT" noProof="0" dirty="0"/>
+              <a:t> </a:t>
+            </a:r>
+            <a:r>
+              <a:rPr lang="pt-PT" noProof="0" dirty="0" err="1"/>
+              <a:t>battery</a:t>
+            </a:r>
+            <a:r>
+              <a:rPr lang="pt-PT" noProof="0" dirty="0"/>
+              <a:t> </a:t>
+            </a:r>
+            <a:r>
+              <a:rPr lang="pt-PT" noProof="0" dirty="0" err="1"/>
+              <a:t>dispatch</a:t>
+            </a:r>
+            <a:r>
+              <a:rPr lang="pt-PT" noProof="0" dirty="0"/>
+              <a:t> in a </a:t>
+            </a:r>
+            <a:r>
+              <a:rPr lang="pt-PT" noProof="0" dirty="0" err="1"/>
+              <a:t>smart</a:t>
+            </a:r>
+            <a:r>
+              <a:rPr lang="pt-PT" noProof="0" dirty="0"/>
+              <a:t> </a:t>
+            </a:r>
+            <a:r>
+              <a:rPr lang="pt-PT" noProof="0" dirty="0" err="1"/>
+              <a:t>grid</a:t>
+            </a:r>
+            <a:r>
+              <a:rPr lang="pt-PT" noProof="0" dirty="0"/>
+              <a:t> to minimize </a:t>
+            </a:r>
+            <a:r>
+              <a:rPr lang="pt-PT" noProof="0" dirty="0" err="1"/>
+              <a:t>energy</a:t>
+            </a:r>
+            <a:r>
+              <a:rPr lang="pt-PT" noProof="0" dirty="0"/>
+              <a:t> </a:t>
+            </a:r>
+            <a:r>
+              <a:rPr lang="pt-PT" noProof="0" dirty="0" err="1"/>
+              <a:t>costs</a:t>
+            </a:r>
+            <a:r>
+              <a:rPr lang="pt-PT" noProof="0" dirty="0"/>
+              <a:t> </a:t>
+            </a:r>
+            <a:r>
+              <a:rPr lang="pt-PT" noProof="0" dirty="0" err="1"/>
+              <a:t>while</a:t>
+            </a:r>
+            <a:r>
+              <a:rPr lang="pt-PT" noProof="0" dirty="0"/>
+              <a:t> </a:t>
+            </a:r>
+            <a:r>
+              <a:rPr lang="pt-PT" noProof="0" dirty="0" err="1"/>
+              <a:t>ensuring</a:t>
+            </a:r>
+            <a:r>
+              <a:rPr lang="pt-PT" noProof="0" dirty="0"/>
+              <a:t> </a:t>
+            </a:r>
+            <a:r>
+              <a:rPr lang="pt-PT" noProof="0" dirty="0" err="1"/>
+              <a:t>demand</a:t>
+            </a:r>
+            <a:r>
+              <a:rPr lang="pt-PT" noProof="0" dirty="0"/>
+              <a:t> </a:t>
+            </a:r>
+            <a:r>
+              <a:rPr lang="pt-PT" noProof="0" dirty="0" err="1"/>
+              <a:t>is</a:t>
+            </a:r>
+            <a:r>
+              <a:rPr lang="pt-PT" noProof="0" dirty="0"/>
+              <a:t> </a:t>
+            </a:r>
+            <a:r>
+              <a:rPr lang="pt-PT" noProof="0" dirty="0" err="1"/>
+              <a:t>met</a:t>
+            </a:r>
+            <a:r>
+              <a:rPr lang="pt-PT" noProof="0" dirty="0"/>
+              <a:t>.</a:t>
             </a:r>
           </a:p>
           <a:p>
@@ -4176,11 +6029,15 @@
               <a:buNone/>
             </a:pPr>
             <a:r>
-              <a:rPr lang="en-US" b="1" dirty="0"/>
-              <a:t>Goal:</a:t>
-            </a:r>
-            <a:r>
-              <a:rPr lang="en-US" dirty="0"/>
+              <a:rPr lang="pt-PT" b="1" noProof="0" dirty="0" err="1"/>
+              <a:t>Goal</a:t>
+            </a:r>
+            <a:r>
+              <a:rPr lang="pt-PT" b="1" noProof="0" dirty="0"/>
+              <a:t>:</a:t>
+            </a:r>
+            <a:r>
+              <a:rPr lang="pt-PT" noProof="0" dirty="0"/>
               <a:t> </a:t>
             </a:r>
           </a:p>
@@ -4189,12 +6046,100 @@
               <a:buNone/>
             </a:pPr>
             <a:r>
-              <a:rPr lang="en-US" dirty="0"/>
-              <a:t>	Use a simplified linear programming model solved by the Simplex Method for efficient and cost-effective energy management</a:t>
-            </a:r>
-          </a:p>
-          <a:p>
-            <a:endParaRPr lang="en-GB" dirty="0"/>
+              <a:rPr lang="pt-PT" noProof="0" dirty="0"/>
+              <a:t>	Use a </a:t>
+            </a:r>
+            <a:r>
+              <a:rPr lang="pt-PT" noProof="0" dirty="0" err="1"/>
+              <a:t>simplified</a:t>
+            </a:r>
+            <a:r>
+              <a:rPr lang="pt-PT" noProof="0" dirty="0"/>
+              <a:t> linear </a:t>
+            </a:r>
+            <a:r>
+              <a:rPr lang="pt-PT" noProof="0" dirty="0" err="1"/>
+              <a:t>programming</a:t>
+            </a:r>
+            <a:r>
+              <a:rPr lang="pt-PT" noProof="0" dirty="0"/>
+              <a:t> </a:t>
+            </a:r>
+            <a:r>
+              <a:rPr lang="pt-PT" noProof="0" dirty="0" err="1"/>
+              <a:t>model</a:t>
+            </a:r>
+            <a:r>
+              <a:rPr lang="pt-PT" noProof="0" dirty="0"/>
+              <a:t> </a:t>
+            </a:r>
+            <a:r>
+              <a:rPr lang="pt-PT" noProof="0" dirty="0" err="1"/>
+              <a:t>solved</a:t>
+            </a:r>
+            <a:r>
+              <a:rPr lang="pt-PT" noProof="0" dirty="0"/>
+              <a:t> </a:t>
+            </a:r>
+            <a:r>
+              <a:rPr lang="pt-PT" noProof="0" dirty="0" err="1"/>
+              <a:t>by</a:t>
+            </a:r>
+            <a:r>
+              <a:rPr lang="pt-PT" noProof="0" dirty="0"/>
+              <a:t> </a:t>
+            </a:r>
+            <a:r>
+              <a:rPr lang="pt-PT" noProof="0" dirty="0" err="1"/>
+              <a:t>the</a:t>
+            </a:r>
+            <a:r>
+              <a:rPr lang="pt-PT" noProof="0" dirty="0"/>
+              <a:t> Simplex </a:t>
+            </a:r>
+            <a:r>
+              <a:rPr lang="pt-PT" noProof="0" dirty="0" err="1"/>
+              <a:t>Method</a:t>
+            </a:r>
+            <a:r>
+              <a:rPr lang="pt-PT" noProof="0" dirty="0"/>
+              <a:t> for </a:t>
+            </a:r>
+            <a:r>
+              <a:rPr lang="pt-PT" noProof="0" dirty="0" err="1"/>
+              <a:t>efficient</a:t>
+            </a:r>
+            <a:r>
+              <a:rPr lang="pt-PT" noProof="0" dirty="0"/>
+              <a:t> </a:t>
+            </a:r>
+            <a:r>
+              <a:rPr lang="pt-PT" noProof="0" dirty="0" err="1"/>
+              <a:t>and</a:t>
+            </a:r>
+            <a:r>
+              <a:rPr lang="pt-PT" noProof="0" dirty="0"/>
+              <a:t> </a:t>
+            </a:r>
+            <a:r>
+              <a:rPr lang="pt-PT" noProof="0" dirty="0" err="1"/>
+              <a:t>cost-effective</a:t>
+            </a:r>
+            <a:r>
+              <a:rPr lang="pt-PT" noProof="0" dirty="0"/>
+              <a:t> </a:t>
+            </a:r>
+            <a:r>
+              <a:rPr lang="pt-PT" noProof="0" dirty="0" err="1"/>
+              <a:t>energy</a:t>
+            </a:r>
+            <a:r>
+              <a:rPr lang="pt-PT" noProof="0" dirty="0"/>
+              <a:t> management</a:t>
+            </a:r>
+          </a:p>
+          <a:p>
+            <a:endParaRPr lang="pt-PT" noProof="0" dirty="0"/>
           </a:p>
         </p:txBody>
       </p:sp>
@@ -4252,14 +6197,22 @@
           <a:lstStyle/>
           <a:p>
             <a:r>
-              <a:rPr lang="en-GB" sz="3600" dirty="0"/>
-              <a:t>Basic </a:t>
-            </a:r>
-            <a:r>
-              <a:rPr lang="en-GB" sz="3600"/>
-              <a:t>Linear Programing Formulation</a:t>
-            </a:r>
-            <a:endParaRPr lang="en-GB" sz="3600" dirty="0"/>
+              <a:rPr lang="pt-PT" sz="3600" noProof="0" dirty="0"/>
+              <a:t>Linear </a:t>
+            </a:r>
+            <a:r>
+              <a:rPr lang="pt-PT" sz="3600" noProof="0" dirty="0" err="1"/>
+              <a:t>Programming</a:t>
+            </a:r>
+            <a:r>
+              <a:rPr lang="pt-PT" sz="3600" noProof="0" dirty="0"/>
+              <a:t> </a:t>
+            </a:r>
+            <a:r>
+              <a:rPr lang="pt-PT" sz="3600" noProof="0" dirty="0" err="1"/>
+              <a:t>Formulation</a:t>
+            </a:r>
+            <a:endParaRPr lang="pt-PT" sz="3600" noProof="0" dirty="0"/>
           </a:p>
         </p:txBody>
       </p:sp>
@@ -4285,19 +6238,19 @@
           <a:lstStyle/>
           <a:p>
             <a:r>
-              <a:rPr lang="pt-PT" b="1" dirty="0" err="1"/>
+              <a:rPr lang="pt-PT" b="1" noProof="0" dirty="0" err="1"/>
               <a:t>Objective</a:t>
             </a:r>
             <a:r>
-              <a:rPr lang="pt-PT" b="1" dirty="0"/>
-              <a:t> </a:t>
-            </a:r>
-            <a:r>
-              <a:rPr lang="pt-PT" b="1" dirty="0" err="1"/>
+              <a:rPr lang="pt-PT" b="1" noProof="0" dirty="0"/>
+              <a:t> </a:t>
+            </a:r>
+            <a:r>
+              <a:rPr lang="pt-PT" b="1" noProof="0" dirty="0" err="1"/>
               <a:t>Function</a:t>
             </a:r>
             <a:r>
-              <a:rPr lang="pt-PT" dirty="0"/>
+              <a:rPr lang="pt-PT" noProof="0" dirty="0"/>
               <a:t>:</a:t>
             </a:r>
           </a:p>
@@ -4306,55 +6259,55 @@
               <a:buNone/>
             </a:pPr>
             <a:r>
-              <a:rPr lang="pt-PT" dirty="0"/>
+              <a:rPr lang="pt-PT" noProof="0" dirty="0"/>
               <a:t>		Minimize </a:t>
             </a:r>
             <a:r>
-              <a:rPr lang="pt-PT" dirty="0" err="1"/>
+              <a:rPr lang="pt-PT" noProof="0" dirty="0" err="1"/>
               <a:t>the</a:t>
             </a:r>
             <a:r>
-              <a:rPr lang="pt-PT" dirty="0"/>
+              <a:rPr lang="pt-PT" noProof="0" dirty="0"/>
               <a:t> total </a:t>
             </a:r>
             <a:r>
-              <a:rPr lang="pt-PT" dirty="0" err="1"/>
+              <a:rPr lang="pt-PT" noProof="0" dirty="0" err="1"/>
               <a:t>cost</a:t>
             </a:r>
             <a:r>
-              <a:rPr lang="pt-PT" dirty="0"/>
-              <a:t> </a:t>
-            </a:r>
-            <a:r>
-              <a:rPr lang="pt-PT" dirty="0" err="1"/>
+              <a:rPr lang="pt-PT" noProof="0" dirty="0"/>
+              <a:t> </a:t>
+            </a:r>
+            <a:r>
+              <a:rPr lang="pt-PT" noProof="0" dirty="0" err="1"/>
               <a:t>of</a:t>
             </a:r>
             <a:r>
-              <a:rPr lang="pt-PT" dirty="0"/>
-              <a:t> </a:t>
-            </a:r>
-            <a:r>
-              <a:rPr lang="pt-PT" dirty="0" err="1"/>
+              <a:rPr lang="pt-PT" noProof="0" dirty="0"/>
+              <a:t> </a:t>
+            </a:r>
+            <a:r>
+              <a:rPr lang="pt-PT" noProof="0" dirty="0" err="1"/>
               <a:t>grid</a:t>
             </a:r>
             <a:r>
-              <a:rPr lang="pt-PT" dirty="0"/>
-              <a:t> </a:t>
-            </a:r>
-            <a:r>
-              <a:rPr lang="pt-PT" dirty="0" err="1"/>
+              <a:rPr lang="pt-PT" noProof="0" dirty="0"/>
+              <a:t> </a:t>
+            </a:r>
+            <a:r>
+              <a:rPr lang="pt-PT" noProof="0" dirty="0" err="1"/>
               <a:t>energy</a:t>
             </a:r>
             <a:r>
-              <a:rPr lang="pt-PT" dirty="0"/>
-              <a:t> </a:t>
-            </a:r>
-            <a:r>
-              <a:rPr lang="pt-PT" dirty="0" err="1"/>
+              <a:rPr lang="pt-PT" noProof="0" dirty="0"/>
+              <a:t> </a:t>
+            </a:r>
+            <a:r>
+              <a:rPr lang="pt-PT" noProof="0" dirty="0" err="1"/>
               <a:t>consumption</a:t>
             </a:r>
             <a:r>
-              <a:rPr lang="pt-PT" dirty="0"/>
+              <a:rPr lang="pt-PT" noProof="0" dirty="0"/>
               <a:t>:</a:t>
             </a:r>
           </a:p>
@@ -4363,21 +6316,21 @@
               <a:buNone/>
             </a:pPr>
             <a:r>
-              <a:rPr lang="pt-PT" dirty="0"/>
+              <a:rPr lang="pt-PT" noProof="0" dirty="0"/>
               <a:t>				</a:t>
             </a:r>
           </a:p>
           <a:p>
             <a:r>
-              <a:rPr lang="pt-PT" dirty="0"/>
+              <a:rPr lang="pt-PT" noProof="0" dirty="0"/>
               <a:t>​</a:t>
             </a:r>
             <a:r>
-              <a:rPr lang="pt-PT" b="1" dirty="0" err="1"/>
+              <a:rPr lang="pt-PT" b="1" noProof="0" dirty="0" err="1"/>
               <a:t>Constraints</a:t>
             </a:r>
             <a:r>
-              <a:rPr lang="pt-PT" b="1" dirty="0"/>
+              <a:rPr lang="pt-PT" b="1" noProof="0" dirty="0"/>
               <a:t>:</a:t>
             </a:r>
           </a:p>
@@ -4386,12 +6339,16 @@
               <a:buNone/>
             </a:pPr>
             <a:r>
-              <a:rPr lang="en-US" dirty="0"/>
+              <a:rPr lang="pt-PT" noProof="0" dirty="0"/>
               <a:t>		</a:t>
             </a:r>
             <a:r>
-              <a:rPr lang="en-US" b="1" dirty="0"/>
-              <a:t>Energy balance: </a:t>
+              <a:rPr lang="pt-PT" b="1" noProof="0" dirty="0" err="1"/>
+              <a:t>Energy</a:t>
+            </a:r>
+            <a:r>
+              <a:rPr lang="pt-PT" b="1" noProof="0" dirty="0"/>
+              <a:t> balance: </a:t>
             </a:r>
           </a:p>
           <a:p>
@@ -4399,7 +6356,7 @@
               <a:buNone/>
             </a:pPr>
             <a:r>
-              <a:rPr lang="en-US" dirty="0"/>
+              <a:rPr lang="pt-PT" noProof="0" dirty="0"/>
               <a:t>				</a:t>
             </a:r>
           </a:p>
@@ -4408,26 +6365,25 @@
               <a:buNone/>
             </a:pPr>
             <a:r>
-              <a:rPr lang="pt-PT" dirty="0"/>
+              <a:rPr lang="pt-PT" noProof="0" dirty="0"/>
               <a:t>		</a:t>
             </a:r>
             <a:r>
-              <a:rPr lang="pt-PT" b="1" dirty="0" err="1"/>
+              <a:rPr lang="pt-PT" b="1" noProof="0" dirty="0" err="1"/>
               <a:t>Battery</a:t>
             </a:r>
             <a:r>
-              <a:rPr lang="pt-PT" b="1" dirty="0"/>
-              <a:t> </a:t>
-            </a:r>
-            <a:r>
-              <a:rPr lang="pt-PT" b="1" dirty="0" err="1"/>
+              <a:rPr lang="pt-PT" b="1" noProof="0" dirty="0"/>
+              <a:t> </a:t>
+            </a:r>
+            <a:r>
+              <a:rPr lang="pt-PT" b="1" noProof="0" dirty="0" err="1"/>
               <a:t>Limits</a:t>
             </a:r>
             <a:r>
-              <a:rPr lang="pt-PT" b="1" dirty="0"/>
+              <a:rPr lang="pt-PT" b="1" noProof="0" dirty="0"/>
               <a:t>:	</a:t>
             </a:r>
-            <a:endParaRPr lang="en-US" b="1" dirty="0"/>
           </a:p>
         </p:txBody>
       </p:sp>
@@ -4446,7 +6402,7 @@
           <p:nvPr/>
         </p:nvPicPr>
         <p:blipFill>
-          <a:blip r:embed="rId2"/>
+          <a:blip r:embed="rId3"/>
           <a:stretch>
             <a:fillRect/>
           </a:stretch>
@@ -4476,7 +6432,7 @@
           <p:nvPr/>
         </p:nvPicPr>
         <p:blipFill>
-          <a:blip r:embed="rId3">
+          <a:blip r:embed="rId4">
             <a:clrChange>
               <a:clrFrom>
                 <a:srgbClr val="FFFFFF"/>
@@ -4517,7 +6473,7 @@
           <p:nvPr/>
         </p:nvPicPr>
         <p:blipFill>
-          <a:blip r:embed="rId4"/>
+          <a:blip r:embed="rId5"/>
           <a:stretch>
             <a:fillRect/>
           </a:stretch>
@@ -4589,41 +6545,65 @@
           <a:lstStyle/>
           <a:p>
             <a:r>
-              <a:rPr lang="en-GB" b="1" dirty="0"/>
-              <a:t>Constraints:</a:t>
+              <a:rPr lang="pt-PT" b="1" noProof="0" dirty="0" err="1"/>
+              <a:t>Constraints</a:t>
+            </a:r>
+            <a:r>
+              <a:rPr lang="pt-PT" b="1" noProof="0" dirty="0"/>
+              <a:t>:</a:t>
             </a:r>
           </a:p>
           <a:p>
             <a:pPr marL="0" indent="0">
               <a:buNone/>
             </a:pPr>
-            <a:endParaRPr lang="en-GB" dirty="0"/>
+            <a:endParaRPr lang="pt-PT" noProof="0" dirty="0"/>
           </a:p>
           <a:p>
             <a:pPr>
               <a:buNone/>
             </a:pPr>
             <a:r>
-              <a:rPr lang="pt-PT" dirty="0"/>
+              <a:rPr lang="pt-PT" noProof="0" dirty="0"/>
               <a:t>		</a:t>
             </a:r>
             <a:r>
-              <a:rPr lang="pt-PT" b="1" dirty="0"/>
-              <a:t>Grid Sufficiency Constraint:</a:t>
+              <a:rPr lang="pt-PT" b="1" noProof="0" dirty="0" err="1"/>
+              <a:t>Grid</a:t>
+            </a:r>
+            <a:r>
+              <a:rPr lang="pt-PT" b="1" noProof="0" dirty="0"/>
+              <a:t> </a:t>
+            </a:r>
+            <a:r>
+              <a:rPr lang="pt-PT" b="1" noProof="0" dirty="0" err="1"/>
+              <a:t>Sufficiency</a:t>
+            </a:r>
+            <a:r>
+              <a:rPr lang="pt-PT" b="1" noProof="0" dirty="0"/>
+              <a:t> </a:t>
+            </a:r>
+            <a:r>
+              <a:rPr lang="pt-PT" b="1" noProof="0" dirty="0" err="1"/>
+              <a:t>Constraint</a:t>
+            </a:r>
+            <a:r>
+              <a:rPr lang="pt-PT" b="1" noProof="0" dirty="0"/>
+              <a:t>:</a:t>
             </a:r>
           </a:p>
           <a:p>
             <a:pPr>
               <a:buNone/>
             </a:pPr>
-            <a:endParaRPr lang="en-US" dirty="0"/>
+            <a:endParaRPr lang="pt-PT" noProof="0" dirty="0"/>
           </a:p>
           <a:p>
             <a:pPr>
               <a:buNone/>
             </a:pPr>
             <a:r>
-              <a:rPr lang="en-US" dirty="0"/>
+              <a:rPr lang="pt-PT" noProof="0" dirty="0"/>
               <a:t>				</a:t>
             </a:r>
           </a:p>
@@ -4632,7 +6612,7 @@
               <a:buNone/>
             </a:pPr>
             <a:r>
-              <a:rPr lang="en-US" dirty="0"/>
+              <a:rPr lang="pt-PT" noProof="0" dirty="0"/>
               <a:t>		</a:t>
             </a:r>
           </a:p>
@@ -4640,14 +6620,14 @@
             <a:pPr>
               <a:buNone/>
             </a:pPr>
-            <a:endParaRPr lang="en-US" dirty="0"/>
+            <a:endParaRPr lang="pt-PT" noProof="0" dirty="0"/>
           </a:p>
           <a:p>
             <a:pPr>
               <a:buNone/>
             </a:pPr>
             <a:r>
-              <a:rPr lang="en-US" dirty="0"/>
+              <a:rPr lang="pt-PT" noProof="0" dirty="0"/>
               <a:t>		</a:t>
             </a:r>
           </a:p>
@@ -4656,21 +6636,32 @@
               <a:buNone/>
             </a:pPr>
             <a:r>
-              <a:rPr lang="en-US" dirty="0"/>
+              <a:rPr lang="pt-PT" noProof="0" dirty="0"/>
               <a:t>		</a:t>
             </a:r>
             <a:r>
-              <a:rPr lang="en-US" b="1" dirty="0"/>
-              <a:t>Power Balance Constraint:</a:t>
-            </a:r>
-            <a:endParaRPr lang="en-GB" b="1" dirty="0"/>
+              <a:rPr lang="pt-PT" b="1" noProof="0" dirty="0" err="1"/>
+              <a:t>Power</a:t>
+            </a:r>
+            <a:r>
+              <a:rPr lang="pt-PT" b="1" noProof="0" dirty="0"/>
+              <a:t> Balance </a:t>
+            </a:r>
+            <a:r>
+              <a:rPr lang="pt-PT" b="1" noProof="0" dirty="0" err="1"/>
+              <a:t>Constraint</a:t>
+            </a:r>
+            <a:r>
+              <a:rPr lang="pt-PT" b="1" noProof="0" dirty="0"/>
+              <a:t>:</a:t>
+            </a:r>
           </a:p>
           <a:p>
             <a:pPr marL="1971400" lvl="7" indent="0">
               <a:buNone/>
             </a:pPr>
             <a:r>
-              <a:rPr lang="en-GB" dirty="0"/>
+              <a:rPr lang="pt-PT" noProof="0" dirty="0"/>
               <a:t>	</a:t>
             </a:r>
           </a:p>
@@ -4691,7 +6682,7 @@
           <p:nvPr/>
         </p:nvPicPr>
         <p:blipFill>
-          <a:blip r:embed="rId2"/>
+          <a:blip r:embed="rId3"/>
           <a:stretch>
             <a:fillRect/>
           </a:stretch>
@@ -4721,7 +6712,7 @@
           <p:nvPr/>
         </p:nvPicPr>
         <p:blipFill>
-          <a:blip r:embed="rId3">
+          <a:blip r:embed="rId4">
             <a:clrChange>
               <a:clrFrom>
                 <a:srgbClr val="FFFFFF"/>
@@ -4799,10 +6790,10 @@
           <a:lstStyle/>
           <a:p>
             <a:r>
-              <a:rPr lang="pt-PT" dirty="0" err="1"/>
+              <a:rPr lang="pt-PT" noProof="0" dirty="0" err="1"/>
               <a:t>Results</a:t>
             </a:r>
-            <a:endParaRPr lang="en-GB" dirty="0"/>
+            <a:endParaRPr lang="pt-PT" noProof="0" dirty="0"/>
           </a:p>
         </p:txBody>
       </p:sp>
@@ -4823,7 +6814,7 @@
           </p:nvPr>
         </p:nvPicPr>
         <p:blipFill>
-          <a:blip r:embed="rId2">
+          <a:blip r:embed="rId3">
             <a:extLst>
               <a:ext uri="{28A0092B-C50C-407E-A947-70E740481C1C}">
                 <a14:useLocalDpi xmlns:a14="http://schemas.microsoft.com/office/drawing/2010/main" val="0"/>
@@ -4837,8 +6828,44 @@
         <p:spPr>
           <a:xfrm>
             <a:off x="1063752" y="1516416"/>
-            <a:ext cx="10031391" cy="4299168"/>
+            <a:ext cx="7940548" cy="3403092"/>
           </a:xfrm>
+        </p:spPr>
+      </p:pic>
+      <p:pic>
+        <p:nvPicPr>
+          <p:cNvPr id="4" name="Imagem 3" descr="Uma imagem com texto, captura de ecrã, Gráfico, file&#10;&#10;Os conteúdos gerados por IA poderão estar incorretos.">
+            <a:extLst>
+              <a:ext uri="{FF2B5EF4-FFF2-40B4-BE49-F238E27FC236}">
+                <a16:creationId xmlns:a16="http://schemas.microsoft.com/office/drawing/2014/main" id="{1BF35862-54A8-34A6-4F5B-6F1570FB363B}"/>
+              </a:ext>
+            </a:extLst>
+          </p:cNvPr>
+          <p:cNvPicPr>
+            <a:picLocks noChangeAspect="1"/>
+          </p:cNvPicPr>
+          <p:nvPr/>
+        </p:nvPicPr>
+        <p:blipFill>
+          <a:blip r:embed="rId4">
+            <a:extLst>
+              <a:ext uri="{28A0092B-C50C-407E-A947-70E740481C1C}">
+                <a14:useLocalDpi xmlns:a14="http://schemas.microsoft.com/office/drawing/2010/main" val="0"/>
+              </a:ext>
+            </a:extLst>
+          </a:blip>
+          <a:stretch>
+            <a:fillRect/>
+          </a:stretch>
+        </p:blipFill>
+        <p:spPr>
+          <a:xfrm>
+            <a:off x="6608234" y="4764025"/>
+            <a:ext cx="4792132" cy="2053771"/>
+          </a:xfrm>
+          <a:prstGeom prst="rect">
+            <a:avLst/>
+          </a:prstGeom>
         </p:spPr>
       </p:pic>
     </p:spTree>
@@ -5077,4 +7104,319 @@
     </a:ext>
   </a:extLst>
 </a:theme>
+</file>
+
+<file path=ppt/theme/theme2.xml><?xml version="1.0" encoding="utf-8"?>
+<a:theme xmlns:a="http://schemas.openxmlformats.org/drawingml/2006/main" name="Tema do Office">
+  <a:themeElements>
+    <a:clrScheme name="Office">
+      <a:dk1>
+        <a:sysClr val="windowText" lastClr="000000"/>
+      </a:dk1>
+      <a:lt1>
+        <a:sysClr val="window" lastClr="FFFFFF"/>
+      </a:lt1>
+      <a:dk2>
+        <a:srgbClr val="0E2841"/>
+      </a:dk2>
+      <a:lt2>
+        <a:srgbClr val="E8E8E8"/>
+      </a:lt2>
+      <a:accent1>
+        <a:srgbClr val="156082"/>
+      </a:accent1>
+      <a:accent2>
+        <a:srgbClr val="E97132"/>
+      </a:accent2>
+      <a:accent3>
+        <a:srgbClr val="196B24"/>
+      </a:accent3>
+      <a:accent4>
+        <a:srgbClr val="0F9ED5"/>
+      </a:accent4>
+      <a:accent5>
+        <a:srgbClr val="A02B93"/>
+      </a:accent5>
+      <a:accent6>
+        <a:srgbClr val="4EA72E"/>
+      </a:accent6>
+      <a:hlink>
+        <a:srgbClr val="467886"/>
+      </a:hlink>
+      <a:folHlink>
+        <a:srgbClr val="96607D"/>
+      </a:folHlink>
+    </a:clrScheme>
+    <a:fontScheme name="Office">
+      <a:majorFont>
+        <a:latin typeface="Aptos Display" panose="02110004020202020204"/>
+        <a:ea typeface=""/>
+        <a:cs typeface=""/>
+        <a:font script="Jpan" typeface="游ゴシック Light"/>
+        <a:font script="Hang" typeface="맑은 고딕"/>
+        <a:font script="Hans" typeface="等线 Light"/>
+        <a:font script="Hant" typeface="新細明體"/>
+        <a:font script="Arab" typeface="Times New Roman"/>
+        <a:font script="Hebr" typeface="Times New Roman"/>
+        <a:font script="Thai" typeface="Angsana New"/>
+        <a:font script="Ethi" typeface="Nyala"/>
+        <a:font script="Beng" typeface="Vrinda"/>
+        <a:font script="Gujr" typeface="Shruti"/>
+        <a:font script="Khmr" typeface="MoolBoran"/>
+        <a:font script="Knda" typeface="Tunga"/>
+        <a:font script="Guru" typeface="Raavi"/>
+        <a:font script="Cans" typeface="Euphemia"/>
+        <a:font script="Cher" typeface="Plantagenet Cherokee"/>
+        <a:font script="Yiii" typeface="Microsoft Yi Baiti"/>
+        <a:font script="Tibt" typeface="Microsoft Himalaya"/>
+        <a:font script="Thaa" typeface="MV Boli"/>
+        <a:font script="Deva" typeface="Mangal"/>
+        <a:font script="Telu" typeface="Gautami"/>
+        <a:font script="Taml" typeface="Latha"/>
+        <a:font script="Syrc" typeface="Estrangelo Edessa"/>
+        <a:font script="Orya" typeface="Kalinga"/>
+        <a:font script="Mlym" typeface="Kartika"/>
+        <a:font script="Laoo" typeface="DokChampa"/>
+        <a:font script="Sinh" typeface="Iskoola Pota"/>
+        <a:font script="Mong" typeface="Mongolian Baiti"/>
+        <a:font script="Viet" typeface="Times New Roman"/>
+        <a:font script="Uigh" typeface="Microsoft Uighur"/>
+        <a:font script="Geor" typeface="Sylfaen"/>
+        <a:font script="Armn" typeface="Arial"/>
+        <a:font script="Bugi" typeface="Leelawadee UI"/>
+        <a:font script="Bopo" typeface="Microsoft JhengHei"/>
+        <a:font script="Java" typeface="Javanese Text"/>
+        <a:font script="Lisu" typeface="Segoe UI"/>
+        <a:font script="Mymr" typeface="Myanmar Text"/>
+        <a:font script="Nkoo" typeface="Ebrima"/>
+        <a:font script="Olck" typeface="Nirmala UI"/>
+        <a:font script="Osma" typeface="Ebrima"/>
+        <a:font script="Phag" typeface="Phagspa"/>
+        <a:font script="Syrn" typeface="Estrangelo Edessa"/>
+        <a:font script="Syrj" typeface="Estrangelo Edessa"/>
+        <a:font script="Syre" typeface="Estrangelo Edessa"/>
+        <a:font script="Sora" typeface="Nirmala UI"/>
+        <a:font script="Tale" typeface="Microsoft Tai Le"/>
+        <a:font script="Talu" typeface="Microsoft New Tai Lue"/>
+        <a:font script="Tfng" typeface="Ebrima"/>
+      </a:majorFont>
+      <a:minorFont>
+        <a:latin typeface="Aptos" panose="02110004020202020204"/>
+        <a:ea typeface=""/>
+        <a:cs typeface=""/>
+        <a:font script="Jpan" typeface="游ゴシック"/>
+        <a:font script="Hang" typeface="맑은 고딕"/>
+        <a:font script="Hans" typeface="等线"/>
+        <a:font script="Hant" typeface="新細明體"/>
+        <a:font script="Arab" typeface="Arial"/>
+        <a:font script="Hebr" typeface="Arial"/>
+        <a:font script="Thai" typeface="Cordia New"/>
+        <a:font script="Ethi" typeface="Nyala"/>
+        <a:font script="Beng" typeface="Vrinda"/>
+        <a:font script="Gujr" typeface="Shruti"/>
+        <a:font script="Khmr" typeface="DaunPenh"/>
+        <a:font script="Knda" typeface="Tunga"/>
+        <a:font script="Guru" typeface="Raavi"/>
+        <a:font script="Cans" typeface="Euphemia"/>
+        <a:font script="Cher" typeface="Plantagenet Cherokee"/>
+        <a:font script="Yiii" typeface="Microsoft Yi Baiti"/>
+        <a:font script="Tibt" typeface="Microsoft Himalaya"/>
+        <a:font script="Thaa" typeface="MV Boli"/>
+        <a:font script="Deva" typeface="Mangal"/>
+        <a:font script="Telu" typeface="Gautami"/>
+        <a:font script="Taml" typeface="Latha"/>
+        <a:font script="Syrc" typeface="Estrangelo Edessa"/>
+        <a:font script="Orya" typeface="Kalinga"/>
+        <a:font script="Mlym" typeface="Kartika"/>
+        <a:font script="Laoo" typeface="DokChampa"/>
+        <a:font script="Sinh" typeface="Iskoola Pota"/>
+        <a:font script="Mong" typeface="Mongolian Baiti"/>
+        <a:font script="Viet" typeface="Arial"/>
+        <a:font script="Uigh" typeface="Microsoft Uighur"/>
+        <a:font script="Geor" typeface="Sylfaen"/>
+        <a:font script="Armn" typeface="Arial"/>
+        <a:font script="Bugi" typeface="Leelawadee UI"/>
+        <a:font script="Bopo" typeface="Microsoft JhengHei"/>
+        <a:font script="Java" typeface="Javanese Text"/>
+        <a:font script="Lisu" typeface="Segoe UI"/>
+        <a:font script="Mymr" typeface="Myanmar Text"/>
+        <a:font script="Nkoo" typeface="Ebrima"/>
+        <a:font script="Olck" typeface="Nirmala UI"/>
+        <a:font script="Osma" typeface="Ebrima"/>
+        <a:font script="Phag" typeface="Phagspa"/>
+        <a:font script="Syrn" typeface="Estrangelo Edessa"/>
+        <a:font script="Syrj" typeface="Estrangelo Edessa"/>
+        <a:font script="Syre" typeface="Estrangelo Edessa"/>
+        <a:font script="Sora" typeface="Nirmala UI"/>
+        <a:font script="Tale" typeface="Microsoft Tai Le"/>
+        <a:font script="Talu" typeface="Microsoft New Tai Lue"/>
+        <a:font script="Tfng" typeface="Ebrima"/>
+      </a:minorFont>
+    </a:fontScheme>
+    <a:fmtScheme name="Office">
+      <a:fillStyleLst>
+        <a:solidFill>
+          <a:schemeClr val="phClr"/>
+        </a:solidFill>
+        <a:gradFill rotWithShape="1">
+          <a:gsLst>
+            <a:gs pos="0">
+              <a:schemeClr val="phClr">
+                <a:lumMod val="110000"/>
+                <a:satMod val="105000"/>
+                <a:tint val="67000"/>
+              </a:schemeClr>
+            </a:gs>
+            <a:gs pos="50000">
+              <a:schemeClr val="phClr">
+                <a:lumMod val="105000"/>
+                <a:satMod val="103000"/>
+                <a:tint val="73000"/>
+              </a:schemeClr>
+            </a:gs>
+            <a:gs pos="100000">
+              <a:schemeClr val="phClr">
+                <a:lumMod val="105000"/>
+                <a:satMod val="109000"/>
+                <a:tint val="81000"/>
+              </a:schemeClr>
+            </a:gs>
+          </a:gsLst>
+          <a:lin ang="5400000" scaled="0"/>
+        </a:gradFill>
+        <a:gradFill rotWithShape="1">
+          <a:gsLst>
+            <a:gs pos="0">
+              <a:schemeClr val="phClr">
+                <a:satMod val="103000"/>
+                <a:lumMod val="102000"/>
+                <a:tint val="94000"/>
+              </a:schemeClr>
+            </a:gs>
+            <a:gs pos="50000">
+              <a:schemeClr val="phClr">
+                <a:satMod val="110000"/>
+                <a:lumMod val="100000"/>
+                <a:shade val="100000"/>
+              </a:schemeClr>
+            </a:gs>
+            <a:gs pos="100000">
+              <a:schemeClr val="phClr">
+                <a:lumMod val="99000"/>
+                <a:satMod val="120000"/>
+                <a:shade val="78000"/>
+              </a:schemeClr>
+            </a:gs>
+          </a:gsLst>
+          <a:lin ang="5400000" scaled="0"/>
+        </a:gradFill>
+      </a:fillStyleLst>
+      <a:lnStyleLst>
+        <a:ln w="12700" cap="flat" cmpd="sng" algn="ctr">
+          <a:solidFill>
+            <a:schemeClr val="phClr"/>
+          </a:solidFill>
+          <a:prstDash val="solid"/>
+          <a:miter lim="800000"/>
+        </a:ln>
+        <a:ln w="19050" cap="flat" cmpd="sng" algn="ctr">
+          <a:solidFill>
+            <a:schemeClr val="phClr"/>
+          </a:solidFill>
+          <a:prstDash val="solid"/>
+          <a:miter lim="800000"/>
+        </a:ln>
+        <a:ln w="25400" cap="flat" cmpd="sng" algn="ctr">
+          <a:solidFill>
+            <a:schemeClr val="phClr"/>
+          </a:solidFill>
+          <a:prstDash val="solid"/>
+          <a:miter lim="800000"/>
+        </a:ln>
+      </a:lnStyleLst>
+      <a:effectStyleLst>
+        <a:effectStyle>
+          <a:effectLst/>
+        </a:effectStyle>
+        <a:effectStyle>
+          <a:effectLst/>
+        </a:effectStyle>
+        <a:effectStyle>
+          <a:effectLst>
+            <a:outerShdw blurRad="57150" dist="19050" dir="5400000" algn="ctr" rotWithShape="0">
+              <a:srgbClr val="000000">
+                <a:alpha val="63000"/>
+              </a:srgbClr>
+            </a:outerShdw>
+          </a:effectLst>
+        </a:effectStyle>
+      </a:effectStyleLst>
+      <a:bgFillStyleLst>
+        <a:solidFill>
+          <a:schemeClr val="phClr"/>
+        </a:solidFill>
+        <a:solidFill>
+          <a:schemeClr val="phClr">
+            <a:tint val="95000"/>
+            <a:satMod val="170000"/>
+          </a:schemeClr>
+        </a:solidFill>
+        <a:gradFill rotWithShape="1">
+          <a:gsLst>
+            <a:gs pos="0">
+              <a:schemeClr val="phClr">
+                <a:tint val="93000"/>
+                <a:satMod val="150000"/>
+                <a:shade val="98000"/>
+                <a:lumMod val="102000"/>
+              </a:schemeClr>
+            </a:gs>
+            <a:gs pos="50000">
+              <a:schemeClr val="phClr">
+                <a:tint val="98000"/>
+                <a:satMod val="130000"/>
+                <a:shade val="90000"/>
+                <a:lumMod val="103000"/>
+              </a:schemeClr>
+            </a:gs>
+            <a:gs pos="100000">
+              <a:schemeClr val="phClr">
+                <a:shade val="63000"/>
+                <a:satMod val="120000"/>
+              </a:schemeClr>
+            </a:gs>
+          </a:gsLst>
+          <a:lin ang="5400000" scaled="0"/>
+        </a:gradFill>
+      </a:bgFillStyleLst>
+    </a:fmtScheme>
+  </a:themeElements>
+  <a:objectDefaults>
+    <a:lnDef>
+      <a:spPr/>
+      <a:bodyPr/>
+      <a:lstStyle/>
+      <a:style>
+        <a:lnRef idx="2">
+          <a:schemeClr val="accent1"/>
+        </a:lnRef>
+        <a:fillRef idx="0">
+          <a:schemeClr val="accent1"/>
+        </a:fillRef>
+        <a:effectRef idx="1">
+          <a:schemeClr val="accent1"/>
+        </a:effectRef>
+        <a:fontRef idx="minor">
+          <a:schemeClr val="tx1"/>
+        </a:fontRef>
+      </a:style>
+    </a:lnDef>
+  </a:objectDefaults>
+  <a:extraClrSchemeLst/>
+  <a:extLst>
+    <a:ext uri="{05A4C25C-085E-4340-85A3-A5531E510DB2}">
+      <thm15:themeFamily xmlns:thm15="http://schemas.microsoft.com/office/thememl/2012/main" name="Office Theme" id="{2E142A2C-CD16-42D6-873A-C26D2A0506FA}" vid="{1BDDFF52-6CD6-40A5-AB3C-68EB2F1E4D0A}"/>
+    </a:ext>
+  </a:extLst>
+</a:theme>
 </file>